--- a/doc/презентация.pptx
+++ b/doc/презентация.pptx
@@ -108,6 +108,11 @@
       </a:defRPr>
     </a:lvl9pPr>
   </p:defaultTextStyle>
+  <p:extLst>
+    <p:ext uri="{EFAFB233-063F-42B5-8137-9DF3F51BA10A}">
+      <p15:sldGuideLst xmlns:p15="http://schemas.microsoft.com/office/powerpoint/2012/main"/>
+    </p:ext>
+  </p:extLst>
 </p:presentation>
 </file>
 
@@ -242,7 +247,7 @@
           <a:p>
             <a:fld id="{1A405B93-3A7F-4E11-9922-472E8683D7BC}" type="datetimeFigureOut">
               <a:rPr lang="ru-RU" smtClean="0"/>
-              <a:t>29.12.2021</a:t>
+              <a:t>12.01.2022</a:t>
             </a:fld>
             <a:endParaRPr lang="ru-RU"/>
           </a:p>
@@ -412,7 +417,7 @@
           <a:p>
             <a:fld id="{1A405B93-3A7F-4E11-9922-472E8683D7BC}" type="datetimeFigureOut">
               <a:rPr lang="ru-RU" smtClean="0"/>
-              <a:t>29.12.2021</a:t>
+              <a:t>12.01.2022</a:t>
             </a:fld>
             <a:endParaRPr lang="ru-RU"/>
           </a:p>
@@ -592,7 +597,7 @@
           <a:p>
             <a:fld id="{1A405B93-3A7F-4E11-9922-472E8683D7BC}" type="datetimeFigureOut">
               <a:rPr lang="ru-RU" smtClean="0"/>
-              <a:t>29.12.2021</a:t>
+              <a:t>12.01.2022</a:t>
             </a:fld>
             <a:endParaRPr lang="ru-RU"/>
           </a:p>
@@ -762,7 +767,7 @@
           <a:p>
             <a:fld id="{1A405B93-3A7F-4E11-9922-472E8683D7BC}" type="datetimeFigureOut">
               <a:rPr lang="ru-RU" smtClean="0"/>
-              <a:t>29.12.2021</a:t>
+              <a:t>12.01.2022</a:t>
             </a:fld>
             <a:endParaRPr lang="ru-RU"/>
           </a:p>
@@ -1008,7 +1013,7 @@
           <a:p>
             <a:fld id="{1A405B93-3A7F-4E11-9922-472E8683D7BC}" type="datetimeFigureOut">
               <a:rPr lang="ru-RU" smtClean="0"/>
-              <a:t>29.12.2021</a:t>
+              <a:t>12.01.2022</a:t>
             </a:fld>
             <a:endParaRPr lang="ru-RU"/>
           </a:p>
@@ -1240,7 +1245,7 @@
           <a:p>
             <a:fld id="{1A405B93-3A7F-4E11-9922-472E8683D7BC}" type="datetimeFigureOut">
               <a:rPr lang="ru-RU" smtClean="0"/>
-              <a:t>29.12.2021</a:t>
+              <a:t>12.01.2022</a:t>
             </a:fld>
             <a:endParaRPr lang="ru-RU"/>
           </a:p>
@@ -1607,7 +1612,7 @@
           <a:p>
             <a:fld id="{1A405B93-3A7F-4E11-9922-472E8683D7BC}" type="datetimeFigureOut">
               <a:rPr lang="ru-RU" smtClean="0"/>
-              <a:t>29.12.2021</a:t>
+              <a:t>12.01.2022</a:t>
             </a:fld>
             <a:endParaRPr lang="ru-RU"/>
           </a:p>
@@ -1725,7 +1730,7 @@
           <a:p>
             <a:fld id="{1A405B93-3A7F-4E11-9922-472E8683D7BC}" type="datetimeFigureOut">
               <a:rPr lang="ru-RU" smtClean="0"/>
-              <a:t>29.12.2021</a:t>
+              <a:t>12.01.2022</a:t>
             </a:fld>
             <a:endParaRPr lang="ru-RU"/>
           </a:p>
@@ -1820,7 +1825,7 @@
           <a:p>
             <a:fld id="{1A405B93-3A7F-4E11-9922-472E8683D7BC}" type="datetimeFigureOut">
               <a:rPr lang="ru-RU" smtClean="0"/>
-              <a:t>29.12.2021</a:t>
+              <a:t>12.01.2022</a:t>
             </a:fld>
             <a:endParaRPr lang="ru-RU"/>
           </a:p>
@@ -2097,7 +2102,7 @@
           <a:p>
             <a:fld id="{1A405B93-3A7F-4E11-9922-472E8683D7BC}" type="datetimeFigureOut">
               <a:rPr lang="ru-RU" smtClean="0"/>
-              <a:t>29.12.2021</a:t>
+              <a:t>12.01.2022</a:t>
             </a:fld>
             <a:endParaRPr lang="ru-RU"/>
           </a:p>
@@ -2350,7 +2355,7 @@
           <a:p>
             <a:fld id="{1A405B93-3A7F-4E11-9922-472E8683D7BC}" type="datetimeFigureOut">
               <a:rPr lang="ru-RU" smtClean="0"/>
-              <a:t>29.12.2021</a:t>
+              <a:t>12.01.2022</a:t>
             </a:fld>
             <a:endParaRPr lang="ru-RU"/>
           </a:p>
@@ -2580,7 +2585,7 @@
           <a:p>
             <a:fld id="{1A405B93-3A7F-4E11-9922-472E8683D7BC}" type="datetimeFigureOut">
               <a:rPr lang="ru-RU" smtClean="0"/>
-              <a:t>29.12.2021</a:t>
+              <a:t>12.01.2022</a:t>
             </a:fld>
             <a:endParaRPr lang="ru-RU"/>
           </a:p>
@@ -3006,10 +3011,18 @@
           <a:lstStyle/>
           <a:p>
             <a:r>
-              <a:rPr lang="en-US" b="1" dirty="0" smtClean="0"/>
+              <a:rPr lang="en-US" b="1" dirty="0" smtClean="0">
+                <a:solidFill>
+                  <a:schemeClr val="bg1"/>
+                </a:solidFill>
+              </a:rPr>
               <a:t>mysterious anonymous</a:t>
             </a:r>
-            <a:endParaRPr lang="ru-RU" b="1" dirty="0"/>
+            <a:endParaRPr lang="ru-RU" b="1" dirty="0">
+              <a:solidFill>
+                <a:schemeClr val="bg1"/>
+              </a:solidFill>
+            </a:endParaRPr>
           </a:p>
         </p:txBody>
       </p:sp>
@@ -3036,30 +3049,54 @@
           <a:lstStyle/>
           <a:p>
             <a:r>
-              <a:rPr lang="ru-RU" sz="3600" dirty="0" smtClean="0"/>
+              <a:rPr lang="ru-RU" sz="3600" dirty="0" smtClean="0">
+                <a:solidFill>
+                  <a:schemeClr val="bg1"/>
+                </a:solidFill>
+              </a:rPr>
               <a:t>Проект по теме </a:t>
             </a:r>
             <a:r>
-              <a:rPr lang="en-US" sz="3600" dirty="0" err="1" smtClean="0"/>
+              <a:rPr lang="en-US" sz="3600" dirty="0" err="1" smtClean="0">
+                <a:solidFill>
+                  <a:schemeClr val="bg1"/>
+                </a:solidFill>
+              </a:rPr>
               <a:t>Pygame</a:t>
             </a:r>
             <a:r>
-              <a:rPr lang="en-US" sz="3600" dirty="0" smtClean="0"/>
+              <a:rPr lang="en-US" sz="3600" dirty="0" smtClean="0">
+                <a:solidFill>
+                  <a:schemeClr val="bg1"/>
+                </a:solidFill>
+              </a:rPr>
               <a:t>.</a:t>
             </a:r>
           </a:p>
           <a:p>
             <a:r>
-              <a:rPr lang="ru-RU" sz="3600" dirty="0" smtClean="0"/>
+              <a:rPr lang="ru-RU" sz="3600" dirty="0" smtClean="0">
+                <a:solidFill>
+                  <a:schemeClr val="bg1"/>
+                </a:solidFill>
+              </a:rPr>
               <a:t>Выполнил: Кошелев Д.А.</a:t>
             </a:r>
           </a:p>
           <a:p>
             <a:r>
-              <a:rPr lang="ru-RU" sz="3600" dirty="0" smtClean="0"/>
+              <a:rPr lang="ru-RU" sz="3600" dirty="0" smtClean="0">
+                <a:solidFill>
+                  <a:schemeClr val="bg1"/>
+                </a:solidFill>
+              </a:rPr>
               <a:t>Под руководством Назимовой А.Ю.</a:t>
             </a:r>
-            <a:endParaRPr lang="ru-RU" sz="3600" dirty="0"/>
+            <a:endParaRPr lang="ru-RU" sz="3600" dirty="0">
+              <a:solidFill>
+                <a:schemeClr val="bg1"/>
+              </a:solidFill>
+            </a:endParaRPr>
           </a:p>
         </p:txBody>
       </p:sp>
@@ -3117,10 +3154,18 @@
           <a:p>
             <a:pPr algn="ctr"/>
             <a:r>
-              <a:rPr lang="ru-RU" sz="6000" b="1" dirty="0" smtClean="0"/>
+              <a:rPr lang="ru-RU" sz="6000" b="1" dirty="0" smtClean="0">
+                <a:solidFill>
+                  <a:schemeClr val="bg1"/>
+                </a:solidFill>
+              </a:rPr>
               <a:t>Введение</a:t>
             </a:r>
-            <a:endParaRPr lang="ru-RU" sz="6000" b="1" dirty="0"/>
+            <a:endParaRPr lang="ru-RU" sz="6000" b="1" dirty="0">
+              <a:solidFill>
+                <a:schemeClr val="bg1"/>
+              </a:solidFill>
+            </a:endParaRPr>
           </a:p>
         </p:txBody>
       </p:sp>
@@ -3136,8 +3181,8 @@
         </p:nvSpPr>
         <p:spPr>
           <a:xfrm>
-            <a:off x="838200" y="2733963"/>
-            <a:ext cx="10515600" cy="1745673"/>
+            <a:off x="838200" y="2733962"/>
+            <a:ext cx="10515600" cy="3168073"/>
           </a:xfrm>
         </p:spPr>
         <p:txBody>
@@ -3147,18 +3192,81 @@
           <a:lstStyle/>
           <a:p>
             <a:r>
-              <a:rPr lang="ru-RU" sz="3600" dirty="0" smtClean="0"/>
+              <a:rPr lang="ru-RU" sz="3600" dirty="0" smtClean="0">
+                <a:solidFill>
+                  <a:schemeClr val="bg1"/>
+                </a:solidFill>
+              </a:rPr>
               <a:t>Моя игра выполнена в жанре 2Д </a:t>
             </a:r>
             <a:r>
-              <a:rPr lang="ru-RU" sz="3600" dirty="0" err="1" smtClean="0"/>
+              <a:rPr lang="ru-RU" sz="3600" dirty="0" err="1" smtClean="0">
+                <a:solidFill>
+                  <a:schemeClr val="bg1"/>
+                </a:solidFill>
+              </a:rPr>
               <a:t>бродилки</a:t>
             </a:r>
             <a:r>
-              <a:rPr lang="ru-RU" sz="3600" dirty="0" smtClean="0"/>
-              <a:t>. В ней будут использованы красивые спрайты и подобраны интересные аудиозаписи. </a:t>
-            </a:r>
-            <a:endParaRPr lang="ru-RU" sz="3600" dirty="0"/>
+              <a:rPr lang="ru-RU" sz="3600" dirty="0" smtClean="0">
+                <a:solidFill>
+                  <a:schemeClr val="bg1"/>
+                </a:solidFill>
+              </a:rPr>
+              <a:t>. В ней будут использованы красивые спрайты и подобраны интересные аудиозаписи</a:t>
+            </a:r>
+            <a:r>
+              <a:rPr lang="ru-RU" sz="3600" dirty="0" smtClean="0">
+                <a:solidFill>
+                  <a:schemeClr val="bg1"/>
+                </a:solidFill>
+              </a:rPr>
+              <a:t>. Вдохновлялся я игрой </a:t>
+            </a:r>
+            <a:r>
+              <a:rPr lang="en-US" sz="3600" dirty="0">
+                <a:solidFill>
+                  <a:schemeClr val="bg1"/>
+                </a:solidFill>
+              </a:rPr>
+              <a:t>The Binding of </a:t>
+            </a:r>
+            <a:r>
+              <a:rPr lang="en-US" sz="3600" dirty="0" smtClean="0">
+                <a:solidFill>
+                  <a:schemeClr val="bg1"/>
+                </a:solidFill>
+              </a:rPr>
+              <a:t>Isaac</a:t>
+            </a:r>
+            <a:r>
+              <a:rPr lang="ru-RU" sz="3600" dirty="0" smtClean="0">
+                <a:solidFill>
+                  <a:schemeClr val="bg1"/>
+                </a:solidFill>
+              </a:rPr>
+              <a:t>, а также </a:t>
+            </a:r>
+            <a:r>
+              <a:rPr lang="en-US" sz="3600" dirty="0" smtClean="0">
+                <a:solidFill>
+                  <a:schemeClr val="bg1"/>
+                </a:solidFill>
+              </a:rPr>
+              <a:t>soul knight.</a:t>
+            </a:r>
+            <a:endParaRPr lang="en-US" sz="3600" dirty="0">
+              <a:solidFill>
+                <a:schemeClr val="bg1"/>
+              </a:solidFill>
+            </a:endParaRPr>
+          </a:p>
+          <a:p>
+            <a:endParaRPr lang="ru-RU" sz="3600" dirty="0">
+              <a:solidFill>
+                <a:schemeClr val="bg1"/>
+              </a:solidFill>
+            </a:endParaRPr>
           </a:p>
         </p:txBody>
       </p:sp>
@@ -3216,10 +3324,18 @@
           <a:p>
             <a:pPr algn="ctr"/>
             <a:r>
-              <a:rPr lang="ru-RU" sz="6000" b="1" dirty="0" smtClean="0"/>
+              <a:rPr lang="ru-RU" sz="6000" b="1" dirty="0" smtClean="0">
+                <a:solidFill>
+                  <a:schemeClr val="bg1"/>
+                </a:solidFill>
+              </a:rPr>
               <a:t>Структура</a:t>
             </a:r>
-            <a:endParaRPr lang="ru-RU" sz="6000" b="1" dirty="0"/>
+            <a:endParaRPr lang="ru-RU" sz="6000" b="1" dirty="0">
+              <a:solidFill>
+                <a:schemeClr val="bg1"/>
+              </a:solidFill>
+            </a:endParaRPr>
           </a:p>
         </p:txBody>
       </p:sp>
@@ -3246,18 +3362,34 @@
           <a:lstStyle/>
           <a:p>
             <a:r>
-              <a:rPr lang="ru-RU" sz="3200" dirty="0" smtClean="0"/>
+              <a:rPr lang="ru-RU" sz="3200" dirty="0" smtClean="0">
+                <a:solidFill>
+                  <a:schemeClr val="bg1"/>
+                </a:solidFill>
+              </a:rPr>
               <a:t>В своей программе я буду использовать такую прекрасную вещь, как Объектно</a:t>
             </a:r>
             <a:r>
-              <a:rPr lang="ru-RU" sz="3200" dirty="0"/>
+              <a:rPr lang="ru-RU" sz="3200" dirty="0">
+                <a:solidFill>
+                  <a:schemeClr val="bg1"/>
+                </a:solidFill>
+              </a:rPr>
               <a:t>-</a:t>
             </a:r>
             <a:r>
-              <a:rPr lang="ru-RU" sz="3200" dirty="0" smtClean="0"/>
+              <a:rPr lang="ru-RU" sz="3200" dirty="0" smtClean="0">
+                <a:solidFill>
+                  <a:schemeClr val="bg1"/>
+                </a:solidFill>
+              </a:rPr>
               <a:t>Ориентированное Программирование. Каждый объект в мире будет представлен объектом определенного класса. Классы будут расфасованы в отдельные файлы для удобства работы с кодом. Каждая комната будет реализована в виде функции с циклом. Это сделано для удобства работы и я посчитал эту идею лучшей.</a:t>
             </a:r>
-            <a:endParaRPr lang="ru-RU" sz="3200" dirty="0"/>
+            <a:endParaRPr lang="ru-RU" sz="3200" dirty="0">
+              <a:solidFill>
+                <a:schemeClr val="bg1"/>
+              </a:solidFill>
+            </a:endParaRPr>
           </a:p>
         </p:txBody>
       </p:sp>
@@ -3303,7 +3435,7 @@
         </p:nvSpPr>
         <p:spPr>
           <a:xfrm>
-            <a:off x="838200" y="1302327"/>
+            <a:off x="838200" y="554182"/>
             <a:ext cx="10515600" cy="1431637"/>
           </a:xfrm>
         </p:spPr>
@@ -3315,10 +3447,18 @@
           <a:p>
             <a:pPr algn="ctr"/>
             <a:r>
-              <a:rPr lang="ru-RU" sz="6000" b="1" dirty="0" smtClean="0"/>
+              <a:rPr lang="ru-RU" sz="6000" b="1" dirty="0" smtClean="0">
+                <a:solidFill>
+                  <a:schemeClr val="bg1"/>
+                </a:solidFill>
+              </a:rPr>
               <a:t>Заключение</a:t>
             </a:r>
-            <a:endParaRPr lang="ru-RU" sz="6000" b="1" dirty="0"/>
+            <a:endParaRPr lang="ru-RU" sz="6000" b="1" dirty="0">
+              <a:solidFill>
+                <a:schemeClr val="bg1"/>
+              </a:solidFill>
+            </a:endParaRPr>
           </a:p>
         </p:txBody>
       </p:sp>
@@ -3334,7 +3474,7 @@
         </p:nvSpPr>
         <p:spPr>
           <a:xfrm>
-            <a:off x="838200" y="3057235"/>
+            <a:off x="838200" y="2438399"/>
             <a:ext cx="10515600" cy="3119727"/>
           </a:xfrm>
         </p:spPr>
@@ -3344,12 +3484,74 @@
           </a:bodyPr>
           <a:lstStyle/>
           <a:p>
-            <a:pPr algn="ctr"/>
-            <a:r>
-              <a:rPr lang="en-US" sz="9600" dirty="0" smtClean="0"/>
-              <a:t>TODO</a:t>
-            </a:r>
-            <a:endParaRPr lang="ru-RU" sz="9600" dirty="0"/>
+            <a:pPr marL="0" indent="0" algn="ctr">
+              <a:buNone/>
+            </a:pPr>
+            <a:r>
+              <a:rPr lang="ru-RU" sz="3200" dirty="0" smtClean="0">
+                <a:solidFill>
+                  <a:schemeClr val="bg1"/>
+                </a:solidFill>
+              </a:rPr>
+              <a:t>Я закончил работу над игрой и очень доволен результатом.</a:t>
+            </a:r>
+          </a:p>
+          <a:p>
+            <a:pPr marL="0" indent="0" algn="ctr">
+              <a:buNone/>
+            </a:pPr>
+            <a:r>
+              <a:rPr lang="ru-RU" sz="3200" dirty="0" smtClean="0">
+                <a:solidFill>
+                  <a:schemeClr val="bg1"/>
+                </a:solidFill>
+              </a:rPr>
+              <a:t>Игра получилась такой, как я и хотел.</a:t>
+            </a:r>
+          </a:p>
+          <a:p>
+            <a:pPr marL="0" indent="0" algn="ctr">
+              <a:buNone/>
+            </a:pPr>
+            <a:r>
+              <a:rPr lang="ru-RU" sz="3200" dirty="0" smtClean="0">
+                <a:solidFill>
+                  <a:schemeClr val="bg1"/>
+                </a:solidFill>
+              </a:rPr>
+              <a:t>Уровень с боссом требует отдельной похвалы)</a:t>
+            </a:r>
+          </a:p>
+          <a:p>
+            <a:pPr marL="0" indent="0" algn="ctr">
+              <a:buNone/>
+            </a:pPr>
+            <a:r>
+              <a:rPr lang="ru-RU" sz="3200" dirty="0" smtClean="0">
+                <a:solidFill>
+                  <a:schemeClr val="bg1"/>
+                </a:solidFill>
+              </a:rPr>
+              <a:t>Я выполнил почти все требования по проекту.</a:t>
+            </a:r>
+          </a:p>
+          <a:p>
+            <a:pPr marL="0" indent="0" algn="ctr">
+              <a:buNone/>
+            </a:pPr>
+            <a:r>
+              <a:rPr lang="ru-RU" sz="3200" dirty="0" smtClean="0">
+                <a:solidFill>
+                  <a:schemeClr val="bg1"/>
+                </a:solidFill>
+              </a:rPr>
+              <a:t>И горжусь собой.</a:t>
+            </a:r>
+            <a:endParaRPr lang="ru-RU" sz="3200" dirty="0">
+              <a:solidFill>
+                <a:schemeClr val="bg1"/>
+              </a:solidFill>
+            </a:endParaRPr>
           </a:p>
         </p:txBody>
       </p:sp>
@@ -3404,10 +3606,18 @@
           <a:lstStyle/>
           <a:p>
             <a:r>
-              <a:rPr lang="en-US" b="1" dirty="0" smtClean="0"/>
+              <a:rPr lang="en-US" b="1" dirty="0" smtClean="0">
+                <a:solidFill>
+                  <a:schemeClr val="bg1"/>
+                </a:solidFill>
+              </a:rPr>
               <a:t>mysterious anonymous</a:t>
             </a:r>
-            <a:endParaRPr lang="ru-RU" b="1" dirty="0"/>
+            <a:endParaRPr lang="ru-RU" b="1" dirty="0">
+              <a:solidFill>
+                <a:schemeClr val="bg1"/>
+              </a:solidFill>
+            </a:endParaRPr>
           </a:p>
         </p:txBody>
       </p:sp>
@@ -3434,30 +3644,54 @@
           <a:lstStyle/>
           <a:p>
             <a:r>
-              <a:rPr lang="ru-RU" sz="3600" dirty="0" smtClean="0"/>
+              <a:rPr lang="ru-RU" sz="3600" dirty="0" smtClean="0">
+                <a:solidFill>
+                  <a:schemeClr val="bg1"/>
+                </a:solidFill>
+              </a:rPr>
               <a:t>Проект по теме </a:t>
             </a:r>
             <a:r>
-              <a:rPr lang="en-US" sz="3600" dirty="0" err="1" smtClean="0"/>
+              <a:rPr lang="en-US" sz="3600" dirty="0" err="1" smtClean="0">
+                <a:solidFill>
+                  <a:schemeClr val="bg1"/>
+                </a:solidFill>
+              </a:rPr>
               <a:t>Pygame</a:t>
             </a:r>
             <a:r>
-              <a:rPr lang="en-US" sz="3600" dirty="0" smtClean="0"/>
+              <a:rPr lang="en-US" sz="3600" dirty="0" smtClean="0">
+                <a:solidFill>
+                  <a:schemeClr val="bg1"/>
+                </a:solidFill>
+              </a:rPr>
               <a:t>.</a:t>
             </a:r>
           </a:p>
           <a:p>
             <a:r>
-              <a:rPr lang="ru-RU" sz="3600" dirty="0" smtClean="0"/>
+              <a:rPr lang="ru-RU" sz="3600" dirty="0" smtClean="0">
+                <a:solidFill>
+                  <a:schemeClr val="bg1"/>
+                </a:solidFill>
+              </a:rPr>
               <a:t>Выполнил: Кошелев Д.А.</a:t>
             </a:r>
           </a:p>
           <a:p>
             <a:r>
-              <a:rPr lang="ru-RU" sz="3600" dirty="0" smtClean="0"/>
+              <a:rPr lang="ru-RU" sz="3600" dirty="0" smtClean="0">
+                <a:solidFill>
+                  <a:schemeClr val="bg1"/>
+                </a:solidFill>
+              </a:rPr>
               <a:t>Под руководством Назимовой А.Ю.</a:t>
             </a:r>
-            <a:endParaRPr lang="ru-RU" sz="3600" dirty="0"/>
+            <a:endParaRPr lang="ru-RU" sz="3600" dirty="0">
+              <a:solidFill>
+                <a:schemeClr val="bg1"/>
+              </a:solidFill>
+            </a:endParaRPr>
           </a:p>
         </p:txBody>
       </p:sp>

--- a/doc/презентация.pptx
+++ b/doc/презентация.pptx
@@ -6,10 +6,24 @@
   </p:sldMasterIdLst>
   <p:sldIdLst>
     <p:sldId id="256" r:id="rId2"/>
-    <p:sldId id="257" r:id="rId3"/>
-    <p:sldId id="258" r:id="rId4"/>
-    <p:sldId id="259" r:id="rId5"/>
-    <p:sldId id="260" r:id="rId6"/>
+    <p:sldId id="263" r:id="rId3"/>
+    <p:sldId id="257" r:id="rId4"/>
+    <p:sldId id="261" r:id="rId5"/>
+    <p:sldId id="258" r:id="rId6"/>
+    <p:sldId id="264" r:id="rId7"/>
+    <p:sldId id="266" r:id="rId8"/>
+    <p:sldId id="267" r:id="rId9"/>
+    <p:sldId id="268" r:id="rId10"/>
+    <p:sldId id="269" r:id="rId11"/>
+    <p:sldId id="270" r:id="rId12"/>
+    <p:sldId id="271" r:id="rId13"/>
+    <p:sldId id="272" r:id="rId14"/>
+    <p:sldId id="273" r:id="rId15"/>
+    <p:sldId id="274" r:id="rId16"/>
+    <p:sldId id="275" r:id="rId17"/>
+    <p:sldId id="276" r:id="rId18"/>
+    <p:sldId id="259" r:id="rId19"/>
+    <p:sldId id="262" r:id="rId20"/>
   </p:sldIdLst>
   <p:sldSz cx="12192000" cy="6858000"/>
   <p:notesSz cx="6858000" cy="9144000"/>
@@ -247,7 +261,7 @@
           <a:p>
             <a:fld id="{1A405B93-3A7F-4E11-9922-472E8683D7BC}" type="datetimeFigureOut">
               <a:rPr lang="ru-RU" smtClean="0"/>
-              <a:t>12.01.2022</a:t>
+              <a:t>18.01.2022</a:t>
             </a:fld>
             <a:endParaRPr lang="ru-RU"/>
           </a:p>
@@ -417,7 +431,7 @@
           <a:p>
             <a:fld id="{1A405B93-3A7F-4E11-9922-472E8683D7BC}" type="datetimeFigureOut">
               <a:rPr lang="ru-RU" smtClean="0"/>
-              <a:t>12.01.2022</a:t>
+              <a:t>18.01.2022</a:t>
             </a:fld>
             <a:endParaRPr lang="ru-RU"/>
           </a:p>
@@ -597,7 +611,7 @@
           <a:p>
             <a:fld id="{1A405B93-3A7F-4E11-9922-472E8683D7BC}" type="datetimeFigureOut">
               <a:rPr lang="ru-RU" smtClean="0"/>
-              <a:t>12.01.2022</a:t>
+              <a:t>18.01.2022</a:t>
             </a:fld>
             <a:endParaRPr lang="ru-RU"/>
           </a:p>
@@ -767,7 +781,7 @@
           <a:p>
             <a:fld id="{1A405B93-3A7F-4E11-9922-472E8683D7BC}" type="datetimeFigureOut">
               <a:rPr lang="ru-RU" smtClean="0"/>
-              <a:t>12.01.2022</a:t>
+              <a:t>18.01.2022</a:t>
             </a:fld>
             <a:endParaRPr lang="ru-RU"/>
           </a:p>
@@ -1013,7 +1027,7 @@
           <a:p>
             <a:fld id="{1A405B93-3A7F-4E11-9922-472E8683D7BC}" type="datetimeFigureOut">
               <a:rPr lang="ru-RU" smtClean="0"/>
-              <a:t>12.01.2022</a:t>
+              <a:t>18.01.2022</a:t>
             </a:fld>
             <a:endParaRPr lang="ru-RU"/>
           </a:p>
@@ -1245,7 +1259,7 @@
           <a:p>
             <a:fld id="{1A405B93-3A7F-4E11-9922-472E8683D7BC}" type="datetimeFigureOut">
               <a:rPr lang="ru-RU" smtClean="0"/>
-              <a:t>12.01.2022</a:t>
+              <a:t>18.01.2022</a:t>
             </a:fld>
             <a:endParaRPr lang="ru-RU"/>
           </a:p>
@@ -1612,7 +1626,7 @@
           <a:p>
             <a:fld id="{1A405B93-3A7F-4E11-9922-472E8683D7BC}" type="datetimeFigureOut">
               <a:rPr lang="ru-RU" smtClean="0"/>
-              <a:t>12.01.2022</a:t>
+              <a:t>18.01.2022</a:t>
             </a:fld>
             <a:endParaRPr lang="ru-RU"/>
           </a:p>
@@ -1730,7 +1744,7 @@
           <a:p>
             <a:fld id="{1A405B93-3A7F-4E11-9922-472E8683D7BC}" type="datetimeFigureOut">
               <a:rPr lang="ru-RU" smtClean="0"/>
-              <a:t>12.01.2022</a:t>
+              <a:t>18.01.2022</a:t>
             </a:fld>
             <a:endParaRPr lang="ru-RU"/>
           </a:p>
@@ -1825,7 +1839,7 @@
           <a:p>
             <a:fld id="{1A405B93-3A7F-4E11-9922-472E8683D7BC}" type="datetimeFigureOut">
               <a:rPr lang="ru-RU" smtClean="0"/>
-              <a:t>12.01.2022</a:t>
+              <a:t>18.01.2022</a:t>
             </a:fld>
             <a:endParaRPr lang="ru-RU"/>
           </a:p>
@@ -2102,7 +2116,7 @@
           <a:p>
             <a:fld id="{1A405B93-3A7F-4E11-9922-472E8683D7BC}" type="datetimeFigureOut">
               <a:rPr lang="ru-RU" smtClean="0"/>
-              <a:t>12.01.2022</a:t>
+              <a:t>18.01.2022</a:t>
             </a:fld>
             <a:endParaRPr lang="ru-RU"/>
           </a:p>
@@ -2355,7 +2369,7 @@
           <a:p>
             <a:fld id="{1A405B93-3A7F-4E11-9922-472E8683D7BC}" type="datetimeFigureOut">
               <a:rPr lang="ru-RU" smtClean="0"/>
-              <a:t>12.01.2022</a:t>
+              <a:t>18.01.2022</a:t>
             </a:fld>
             <a:endParaRPr lang="ru-RU"/>
           </a:p>
@@ -2585,7 +2599,7 @@
           <a:p>
             <a:fld id="{1A405B93-3A7F-4E11-9922-472E8683D7BC}" type="datetimeFigureOut">
               <a:rPr lang="ru-RU" smtClean="0"/>
-              <a:t>12.01.2022</a:t>
+              <a:t>18.01.2022</a:t>
             </a:fld>
             <a:endParaRPr lang="ru-RU"/>
           </a:p>
@@ -3007,18 +3021,20 @@
           </a:xfrm>
         </p:spPr>
         <p:txBody>
-          <a:bodyPr/>
-          <a:lstStyle/>
-          <a:p>
-            <a:r>
-              <a:rPr lang="en-US" b="1" dirty="0" smtClean="0">
+          <a:bodyPr>
+            <a:noAutofit/>
+          </a:bodyPr>
+          <a:lstStyle/>
+          <a:p>
+            <a:r>
+              <a:rPr lang="en-US" sz="6600" b="1" dirty="0" smtClean="0">
                 <a:solidFill>
                   <a:schemeClr val="bg1"/>
                 </a:solidFill>
               </a:rPr>
               <a:t>mysterious anonymous</a:t>
             </a:r>
-            <a:endParaRPr lang="ru-RU" b="1" dirty="0">
+            <a:endParaRPr lang="ru-RU" sz="6600" b="1" dirty="0">
               <a:solidFill>
                 <a:schemeClr val="bg1"/>
               </a:solidFill>
@@ -3038,13 +3054,13 @@
         </p:nvSpPr>
         <p:spPr>
           <a:xfrm>
-            <a:off x="1523999" y="3602038"/>
+            <a:off x="1450108" y="3057092"/>
             <a:ext cx="9919855" cy="3029671"/>
           </a:xfrm>
         </p:spPr>
         <p:txBody>
           <a:bodyPr>
-            <a:normAutofit/>
+            <a:normAutofit lnSpcReduction="10000"/>
           </a:bodyPr>
           <a:lstStyle/>
           <a:p>
@@ -3085,12 +3101,56 @@
           </a:p>
           <a:p>
             <a:r>
+              <a:rPr lang="ru-RU" sz="3600" dirty="0">
+                <a:solidFill>
+                  <a:schemeClr val="bg1"/>
+                </a:solidFill>
+              </a:rPr>
+              <a:t>Руководитель: Назимова А.Ю.</a:t>
+            </a:r>
+          </a:p>
+          <a:p>
+            <a:r>
               <a:rPr lang="ru-RU" sz="3600" dirty="0" smtClean="0">
                 <a:solidFill>
                   <a:schemeClr val="bg1"/>
                 </a:solidFill>
               </a:rPr>
-              <a:t>Под руководством Назимовой А.Ю.</a:t>
+              <a:t>Ссылка </a:t>
+            </a:r>
+            <a:r>
+              <a:rPr lang="ru-RU" sz="3600" dirty="0" smtClean="0">
+                <a:solidFill>
+                  <a:schemeClr val="bg1"/>
+                </a:solidFill>
+              </a:rPr>
+              <a:t>на </a:t>
+            </a:r>
+            <a:r>
+              <a:rPr lang="ru-RU" sz="3600" dirty="0" err="1" smtClean="0">
+                <a:solidFill>
+                  <a:schemeClr val="bg1"/>
+                </a:solidFill>
+              </a:rPr>
+              <a:t>гитхаб</a:t>
+            </a:r>
+            <a:r>
+              <a:rPr lang="ru-RU" sz="3600" dirty="0" smtClean="0">
+                <a:solidFill>
+                  <a:schemeClr val="bg1"/>
+                </a:solidFill>
+              </a:rPr>
+              <a:t>:</a:t>
+            </a:r>
+          </a:p>
+          <a:p>
+            <a:r>
+              <a:rPr lang="en-US" sz="3600" dirty="0">
+                <a:solidFill>
+                  <a:schemeClr val="bg1"/>
+                </a:solidFill>
+              </a:rPr>
+              <a:t>https://github.com/Father-Dog-Danil/Pygame_solo</a:t>
             </a:r>
             <a:endParaRPr lang="ru-RU" sz="3600" dirty="0">
               <a:solidFill>
@@ -3104,6 +3164,994 @@
     <p:extLst>
       <p:ext uri="{BB962C8B-B14F-4D97-AF65-F5344CB8AC3E}">
         <p14:creationId xmlns:p14="http://schemas.microsoft.com/office/powerpoint/2010/main" val="1914805421"/>
+      </p:ext>
+    </p:extLst>
+  </p:cSld>
+  <p:clrMapOvr>
+    <a:masterClrMapping/>
+  </p:clrMapOvr>
+</p:sld>
+</file>
+
+<file path=ppt/slides/slide10.xml><?xml version="1.0" encoding="utf-8"?>
+<p:sld xmlns:a="http://schemas.openxmlformats.org/drawingml/2006/main" xmlns:r="http://schemas.openxmlformats.org/officeDocument/2006/relationships" xmlns:p="http://schemas.openxmlformats.org/presentationml/2006/main">
+  <p:cSld>
+    <p:spTree>
+      <p:nvGrpSpPr>
+        <p:cNvPr id="1" name=""/>
+        <p:cNvGrpSpPr/>
+        <p:nvPr/>
+      </p:nvGrpSpPr>
+      <p:grpSpPr>
+        <a:xfrm>
+          <a:off x="0" y="0"/>
+          <a:ext cx="0" cy="0"/>
+          <a:chOff x="0" y="0"/>
+          <a:chExt cx="0" cy="0"/>
+        </a:xfrm>
+      </p:grpSpPr>
+      <p:sp>
+        <p:nvSpPr>
+          <p:cNvPr id="2" name="Заголовок 1"/>
+          <p:cNvSpPr>
+            <a:spLocks noGrp="1"/>
+          </p:cNvSpPr>
+          <p:nvPr>
+            <p:ph type="title"/>
+          </p:nvPr>
+        </p:nvSpPr>
+        <p:spPr/>
+        <p:txBody>
+          <a:bodyPr/>
+          <a:lstStyle/>
+          <a:p>
+            <a:endParaRPr lang="ru-RU"/>
+          </a:p>
+        </p:txBody>
+      </p:sp>
+      <p:pic>
+        <p:nvPicPr>
+          <p:cNvPr id="4" name="Объект 3"/>
+          <p:cNvPicPr>
+            <a:picLocks noGrp="1" noChangeAspect="1"/>
+          </p:cNvPicPr>
+          <p:nvPr>
+            <p:ph idx="1"/>
+          </p:nvPr>
+        </p:nvPicPr>
+        <p:blipFill>
+          <a:blip r:embed="rId2"/>
+          <a:stretch>
+            <a:fillRect/>
+          </a:stretch>
+        </p:blipFill>
+        <p:spPr>
+          <a:xfrm>
+            <a:off x="830605" y="365125"/>
+            <a:ext cx="10523195" cy="5919297"/>
+          </a:xfrm>
+          <a:prstGeom prst="rect">
+            <a:avLst/>
+          </a:prstGeom>
+        </p:spPr>
+      </p:pic>
+    </p:spTree>
+    <p:extLst>
+      <p:ext uri="{BB962C8B-B14F-4D97-AF65-F5344CB8AC3E}">
+        <p14:creationId xmlns:p14="http://schemas.microsoft.com/office/powerpoint/2010/main" val="2221636780"/>
+      </p:ext>
+    </p:extLst>
+  </p:cSld>
+  <p:clrMapOvr>
+    <a:masterClrMapping/>
+  </p:clrMapOvr>
+</p:sld>
+</file>
+
+<file path=ppt/slides/slide11.xml><?xml version="1.0" encoding="utf-8"?>
+<p:sld xmlns:a="http://schemas.openxmlformats.org/drawingml/2006/main" xmlns:r="http://schemas.openxmlformats.org/officeDocument/2006/relationships" xmlns:p="http://schemas.openxmlformats.org/presentationml/2006/main">
+  <p:cSld>
+    <p:spTree>
+      <p:nvGrpSpPr>
+        <p:cNvPr id="1" name=""/>
+        <p:cNvGrpSpPr/>
+        <p:nvPr/>
+      </p:nvGrpSpPr>
+      <p:grpSpPr>
+        <a:xfrm>
+          <a:off x="0" y="0"/>
+          <a:ext cx="0" cy="0"/>
+          <a:chOff x="0" y="0"/>
+          <a:chExt cx="0" cy="0"/>
+        </a:xfrm>
+      </p:grpSpPr>
+      <p:sp>
+        <p:nvSpPr>
+          <p:cNvPr id="2" name="Заголовок 1"/>
+          <p:cNvSpPr>
+            <a:spLocks noGrp="1"/>
+          </p:cNvSpPr>
+          <p:nvPr>
+            <p:ph type="title"/>
+          </p:nvPr>
+        </p:nvSpPr>
+        <p:spPr/>
+        <p:txBody>
+          <a:bodyPr/>
+          <a:lstStyle/>
+          <a:p>
+            <a:endParaRPr lang="ru-RU"/>
+          </a:p>
+        </p:txBody>
+      </p:sp>
+      <p:pic>
+        <p:nvPicPr>
+          <p:cNvPr id="4" name="Объект 3"/>
+          <p:cNvPicPr>
+            <a:picLocks noGrp="1" noChangeAspect="1"/>
+          </p:cNvPicPr>
+          <p:nvPr>
+            <p:ph idx="1"/>
+          </p:nvPr>
+        </p:nvPicPr>
+        <p:blipFill>
+          <a:blip r:embed="rId2"/>
+          <a:stretch>
+            <a:fillRect/>
+          </a:stretch>
+        </p:blipFill>
+        <p:spPr>
+          <a:xfrm>
+            <a:off x="838200" y="365125"/>
+            <a:ext cx="10523195" cy="5919297"/>
+          </a:xfrm>
+          <a:prstGeom prst="rect">
+            <a:avLst/>
+          </a:prstGeom>
+        </p:spPr>
+      </p:pic>
+    </p:spTree>
+    <p:extLst>
+      <p:ext uri="{BB962C8B-B14F-4D97-AF65-F5344CB8AC3E}">
+        <p14:creationId xmlns:p14="http://schemas.microsoft.com/office/powerpoint/2010/main" val="3712088808"/>
+      </p:ext>
+    </p:extLst>
+  </p:cSld>
+  <p:clrMapOvr>
+    <a:masterClrMapping/>
+  </p:clrMapOvr>
+</p:sld>
+</file>
+
+<file path=ppt/slides/slide12.xml><?xml version="1.0" encoding="utf-8"?>
+<p:sld xmlns:a="http://schemas.openxmlformats.org/drawingml/2006/main" xmlns:r="http://schemas.openxmlformats.org/officeDocument/2006/relationships" xmlns:p="http://schemas.openxmlformats.org/presentationml/2006/main">
+  <p:cSld>
+    <p:spTree>
+      <p:nvGrpSpPr>
+        <p:cNvPr id="1" name=""/>
+        <p:cNvGrpSpPr/>
+        <p:nvPr/>
+      </p:nvGrpSpPr>
+      <p:grpSpPr>
+        <a:xfrm>
+          <a:off x="0" y="0"/>
+          <a:ext cx="0" cy="0"/>
+          <a:chOff x="0" y="0"/>
+          <a:chExt cx="0" cy="0"/>
+        </a:xfrm>
+      </p:grpSpPr>
+      <p:sp>
+        <p:nvSpPr>
+          <p:cNvPr id="2" name="Заголовок 1"/>
+          <p:cNvSpPr>
+            <a:spLocks noGrp="1"/>
+          </p:cNvSpPr>
+          <p:nvPr>
+            <p:ph type="title"/>
+          </p:nvPr>
+        </p:nvSpPr>
+        <p:spPr/>
+        <p:txBody>
+          <a:bodyPr/>
+          <a:lstStyle/>
+          <a:p>
+            <a:endParaRPr lang="ru-RU"/>
+          </a:p>
+        </p:txBody>
+      </p:sp>
+      <p:pic>
+        <p:nvPicPr>
+          <p:cNvPr id="4" name="Объект 3"/>
+          <p:cNvPicPr>
+            <a:picLocks noGrp="1" noChangeAspect="1"/>
+          </p:cNvPicPr>
+          <p:nvPr>
+            <p:ph idx="1"/>
+          </p:nvPr>
+        </p:nvPicPr>
+        <p:blipFill>
+          <a:blip r:embed="rId2"/>
+          <a:stretch>
+            <a:fillRect/>
+          </a:stretch>
+        </p:blipFill>
+        <p:spPr>
+          <a:xfrm>
+            <a:off x="784250" y="365125"/>
+            <a:ext cx="10623499" cy="5975718"/>
+          </a:xfrm>
+          <a:prstGeom prst="rect">
+            <a:avLst/>
+          </a:prstGeom>
+        </p:spPr>
+      </p:pic>
+    </p:spTree>
+    <p:extLst>
+      <p:ext uri="{BB962C8B-B14F-4D97-AF65-F5344CB8AC3E}">
+        <p14:creationId xmlns:p14="http://schemas.microsoft.com/office/powerpoint/2010/main" val="2926169821"/>
+      </p:ext>
+    </p:extLst>
+  </p:cSld>
+  <p:clrMapOvr>
+    <a:masterClrMapping/>
+  </p:clrMapOvr>
+</p:sld>
+</file>
+
+<file path=ppt/slides/slide13.xml><?xml version="1.0" encoding="utf-8"?>
+<p:sld xmlns:a="http://schemas.openxmlformats.org/drawingml/2006/main" xmlns:r="http://schemas.openxmlformats.org/officeDocument/2006/relationships" xmlns:p="http://schemas.openxmlformats.org/presentationml/2006/main">
+  <p:cSld>
+    <p:spTree>
+      <p:nvGrpSpPr>
+        <p:cNvPr id="1" name=""/>
+        <p:cNvGrpSpPr/>
+        <p:nvPr/>
+      </p:nvGrpSpPr>
+      <p:grpSpPr>
+        <a:xfrm>
+          <a:off x="0" y="0"/>
+          <a:ext cx="0" cy="0"/>
+          <a:chOff x="0" y="0"/>
+          <a:chExt cx="0" cy="0"/>
+        </a:xfrm>
+      </p:grpSpPr>
+      <p:sp>
+        <p:nvSpPr>
+          <p:cNvPr id="2" name="Заголовок 1"/>
+          <p:cNvSpPr>
+            <a:spLocks noGrp="1"/>
+          </p:cNvSpPr>
+          <p:nvPr>
+            <p:ph type="title"/>
+          </p:nvPr>
+        </p:nvSpPr>
+        <p:spPr/>
+        <p:txBody>
+          <a:bodyPr/>
+          <a:lstStyle/>
+          <a:p>
+            <a:endParaRPr lang="ru-RU"/>
+          </a:p>
+        </p:txBody>
+      </p:sp>
+      <p:pic>
+        <p:nvPicPr>
+          <p:cNvPr id="4" name="Объект 3"/>
+          <p:cNvPicPr>
+            <a:picLocks noGrp="1" noChangeAspect="1"/>
+          </p:cNvPicPr>
+          <p:nvPr>
+            <p:ph idx="1"/>
+          </p:nvPr>
+        </p:nvPicPr>
+        <p:blipFill>
+          <a:blip r:embed="rId2"/>
+          <a:stretch>
+            <a:fillRect/>
+          </a:stretch>
+        </p:blipFill>
+        <p:spPr>
+          <a:xfrm>
+            <a:off x="830605" y="365125"/>
+            <a:ext cx="10523195" cy="5919297"/>
+          </a:xfrm>
+          <a:prstGeom prst="rect">
+            <a:avLst/>
+          </a:prstGeom>
+        </p:spPr>
+      </p:pic>
+    </p:spTree>
+    <p:extLst>
+      <p:ext uri="{BB962C8B-B14F-4D97-AF65-F5344CB8AC3E}">
+        <p14:creationId xmlns:p14="http://schemas.microsoft.com/office/powerpoint/2010/main" val="2795781857"/>
+      </p:ext>
+    </p:extLst>
+  </p:cSld>
+  <p:clrMapOvr>
+    <a:masterClrMapping/>
+  </p:clrMapOvr>
+</p:sld>
+</file>
+
+<file path=ppt/slides/slide14.xml><?xml version="1.0" encoding="utf-8"?>
+<p:sld xmlns:a="http://schemas.openxmlformats.org/drawingml/2006/main" xmlns:r="http://schemas.openxmlformats.org/officeDocument/2006/relationships" xmlns:p="http://schemas.openxmlformats.org/presentationml/2006/main">
+  <p:cSld>
+    <p:spTree>
+      <p:nvGrpSpPr>
+        <p:cNvPr id="1" name=""/>
+        <p:cNvGrpSpPr/>
+        <p:nvPr/>
+      </p:nvGrpSpPr>
+      <p:grpSpPr>
+        <a:xfrm>
+          <a:off x="0" y="0"/>
+          <a:ext cx="0" cy="0"/>
+          <a:chOff x="0" y="0"/>
+          <a:chExt cx="0" cy="0"/>
+        </a:xfrm>
+      </p:grpSpPr>
+      <p:sp>
+        <p:nvSpPr>
+          <p:cNvPr id="2" name="Заголовок 1"/>
+          <p:cNvSpPr>
+            <a:spLocks noGrp="1"/>
+          </p:cNvSpPr>
+          <p:nvPr>
+            <p:ph type="title"/>
+          </p:nvPr>
+        </p:nvSpPr>
+        <p:spPr/>
+        <p:txBody>
+          <a:bodyPr/>
+          <a:lstStyle/>
+          <a:p>
+            <a:endParaRPr lang="ru-RU"/>
+          </a:p>
+        </p:txBody>
+      </p:sp>
+      <p:pic>
+        <p:nvPicPr>
+          <p:cNvPr id="4" name="Объект 3"/>
+          <p:cNvPicPr>
+            <a:picLocks noGrp="1" noChangeAspect="1"/>
+          </p:cNvPicPr>
+          <p:nvPr>
+            <p:ph idx="1"/>
+          </p:nvPr>
+        </p:nvPicPr>
+        <p:blipFill>
+          <a:blip r:embed="rId2"/>
+          <a:stretch>
+            <a:fillRect/>
+          </a:stretch>
+        </p:blipFill>
+        <p:spPr>
+          <a:xfrm>
+            <a:off x="815878" y="365125"/>
+            <a:ext cx="10537922" cy="5927581"/>
+          </a:xfrm>
+          <a:prstGeom prst="rect">
+            <a:avLst/>
+          </a:prstGeom>
+        </p:spPr>
+      </p:pic>
+    </p:spTree>
+    <p:extLst>
+      <p:ext uri="{BB962C8B-B14F-4D97-AF65-F5344CB8AC3E}">
+        <p14:creationId xmlns:p14="http://schemas.microsoft.com/office/powerpoint/2010/main" val="164587071"/>
+      </p:ext>
+    </p:extLst>
+  </p:cSld>
+  <p:clrMapOvr>
+    <a:masterClrMapping/>
+  </p:clrMapOvr>
+</p:sld>
+</file>
+
+<file path=ppt/slides/slide15.xml><?xml version="1.0" encoding="utf-8"?>
+<p:sld xmlns:a="http://schemas.openxmlformats.org/drawingml/2006/main" xmlns:r="http://schemas.openxmlformats.org/officeDocument/2006/relationships" xmlns:p="http://schemas.openxmlformats.org/presentationml/2006/main">
+  <p:cSld>
+    <p:spTree>
+      <p:nvGrpSpPr>
+        <p:cNvPr id="1" name=""/>
+        <p:cNvGrpSpPr/>
+        <p:nvPr/>
+      </p:nvGrpSpPr>
+      <p:grpSpPr>
+        <a:xfrm>
+          <a:off x="0" y="0"/>
+          <a:ext cx="0" cy="0"/>
+          <a:chOff x="0" y="0"/>
+          <a:chExt cx="0" cy="0"/>
+        </a:xfrm>
+      </p:grpSpPr>
+      <p:sp>
+        <p:nvSpPr>
+          <p:cNvPr id="2" name="Заголовок 1"/>
+          <p:cNvSpPr>
+            <a:spLocks noGrp="1"/>
+          </p:cNvSpPr>
+          <p:nvPr>
+            <p:ph type="title"/>
+          </p:nvPr>
+        </p:nvSpPr>
+        <p:spPr/>
+        <p:txBody>
+          <a:bodyPr/>
+          <a:lstStyle/>
+          <a:p>
+            <a:endParaRPr lang="ru-RU"/>
+          </a:p>
+        </p:txBody>
+      </p:sp>
+      <p:pic>
+        <p:nvPicPr>
+          <p:cNvPr id="4" name="Объект 3"/>
+          <p:cNvPicPr>
+            <a:picLocks noGrp="1" noChangeAspect="1"/>
+          </p:cNvPicPr>
+          <p:nvPr>
+            <p:ph idx="1"/>
+          </p:nvPr>
+        </p:nvPicPr>
+        <p:blipFill>
+          <a:blip r:embed="rId2"/>
+          <a:stretch>
+            <a:fillRect/>
+          </a:stretch>
+        </p:blipFill>
+        <p:spPr>
+          <a:xfrm>
+            <a:off x="838200" y="365125"/>
+            <a:ext cx="10515600" cy="5915025"/>
+          </a:xfrm>
+          <a:prstGeom prst="rect">
+            <a:avLst/>
+          </a:prstGeom>
+        </p:spPr>
+      </p:pic>
+    </p:spTree>
+    <p:extLst>
+      <p:ext uri="{BB962C8B-B14F-4D97-AF65-F5344CB8AC3E}">
+        <p14:creationId xmlns:p14="http://schemas.microsoft.com/office/powerpoint/2010/main" val="3406584735"/>
+      </p:ext>
+    </p:extLst>
+  </p:cSld>
+  <p:clrMapOvr>
+    <a:masterClrMapping/>
+  </p:clrMapOvr>
+</p:sld>
+</file>
+
+<file path=ppt/slides/slide16.xml><?xml version="1.0" encoding="utf-8"?>
+<p:sld xmlns:a="http://schemas.openxmlformats.org/drawingml/2006/main" xmlns:r="http://schemas.openxmlformats.org/officeDocument/2006/relationships" xmlns:p="http://schemas.openxmlformats.org/presentationml/2006/main">
+  <p:cSld>
+    <p:spTree>
+      <p:nvGrpSpPr>
+        <p:cNvPr id="1" name=""/>
+        <p:cNvGrpSpPr/>
+        <p:nvPr/>
+      </p:nvGrpSpPr>
+      <p:grpSpPr>
+        <a:xfrm>
+          <a:off x="0" y="0"/>
+          <a:ext cx="0" cy="0"/>
+          <a:chOff x="0" y="0"/>
+          <a:chExt cx="0" cy="0"/>
+        </a:xfrm>
+      </p:grpSpPr>
+      <p:sp>
+        <p:nvSpPr>
+          <p:cNvPr id="2" name="Заголовок 1"/>
+          <p:cNvSpPr>
+            <a:spLocks noGrp="1"/>
+          </p:cNvSpPr>
+          <p:nvPr>
+            <p:ph type="title"/>
+          </p:nvPr>
+        </p:nvSpPr>
+        <p:spPr/>
+        <p:txBody>
+          <a:bodyPr/>
+          <a:lstStyle/>
+          <a:p>
+            <a:endParaRPr lang="ru-RU"/>
+          </a:p>
+        </p:txBody>
+      </p:sp>
+      <p:pic>
+        <p:nvPicPr>
+          <p:cNvPr id="4" name="Объект 3"/>
+          <p:cNvPicPr>
+            <a:picLocks noGrp="1" noChangeAspect="1"/>
+          </p:cNvPicPr>
+          <p:nvPr>
+            <p:ph idx="1"/>
+          </p:nvPr>
+        </p:nvPicPr>
+        <p:blipFill>
+          <a:blip r:embed="rId2"/>
+          <a:stretch>
+            <a:fillRect/>
+          </a:stretch>
+        </p:blipFill>
+        <p:spPr>
+          <a:xfrm>
+            <a:off x="838201" y="365124"/>
+            <a:ext cx="10515600" cy="5915025"/>
+          </a:xfrm>
+          <a:prstGeom prst="rect">
+            <a:avLst/>
+          </a:prstGeom>
+        </p:spPr>
+      </p:pic>
+    </p:spTree>
+    <p:extLst>
+      <p:ext uri="{BB962C8B-B14F-4D97-AF65-F5344CB8AC3E}">
+        <p14:creationId xmlns:p14="http://schemas.microsoft.com/office/powerpoint/2010/main" val="297810544"/>
+      </p:ext>
+    </p:extLst>
+  </p:cSld>
+  <p:clrMapOvr>
+    <a:masterClrMapping/>
+  </p:clrMapOvr>
+</p:sld>
+</file>
+
+<file path=ppt/slides/slide17.xml><?xml version="1.0" encoding="utf-8"?>
+<p:sld xmlns:a="http://schemas.openxmlformats.org/drawingml/2006/main" xmlns:r="http://schemas.openxmlformats.org/officeDocument/2006/relationships" xmlns:p="http://schemas.openxmlformats.org/presentationml/2006/main">
+  <p:cSld>
+    <p:spTree>
+      <p:nvGrpSpPr>
+        <p:cNvPr id="1" name=""/>
+        <p:cNvGrpSpPr/>
+        <p:nvPr/>
+      </p:nvGrpSpPr>
+      <p:grpSpPr>
+        <a:xfrm>
+          <a:off x="0" y="0"/>
+          <a:ext cx="0" cy="0"/>
+          <a:chOff x="0" y="0"/>
+          <a:chExt cx="0" cy="0"/>
+        </a:xfrm>
+      </p:grpSpPr>
+      <p:sp>
+        <p:nvSpPr>
+          <p:cNvPr id="2" name="Заголовок 1"/>
+          <p:cNvSpPr>
+            <a:spLocks noGrp="1"/>
+          </p:cNvSpPr>
+          <p:nvPr>
+            <p:ph type="title"/>
+          </p:nvPr>
+        </p:nvSpPr>
+        <p:spPr/>
+        <p:txBody>
+          <a:bodyPr/>
+          <a:lstStyle/>
+          <a:p>
+            <a:endParaRPr lang="ru-RU"/>
+          </a:p>
+        </p:txBody>
+      </p:sp>
+      <p:pic>
+        <p:nvPicPr>
+          <p:cNvPr id="4" name="Объект 3"/>
+          <p:cNvPicPr>
+            <a:picLocks noGrp="1" noChangeAspect="1"/>
+          </p:cNvPicPr>
+          <p:nvPr>
+            <p:ph idx="1"/>
+          </p:nvPr>
+        </p:nvPicPr>
+        <p:blipFill>
+          <a:blip r:embed="rId2"/>
+          <a:stretch>
+            <a:fillRect/>
+          </a:stretch>
+        </p:blipFill>
+        <p:spPr>
+          <a:xfrm>
+            <a:off x="838199" y="365126"/>
+            <a:ext cx="10515601" cy="5915025"/>
+          </a:xfrm>
+          <a:prstGeom prst="rect">
+            <a:avLst/>
+          </a:prstGeom>
+        </p:spPr>
+      </p:pic>
+    </p:spTree>
+    <p:extLst>
+      <p:ext uri="{BB962C8B-B14F-4D97-AF65-F5344CB8AC3E}">
+        <p14:creationId xmlns:p14="http://schemas.microsoft.com/office/powerpoint/2010/main" val="3198727634"/>
+      </p:ext>
+    </p:extLst>
+  </p:cSld>
+  <p:clrMapOvr>
+    <a:masterClrMapping/>
+  </p:clrMapOvr>
+</p:sld>
+</file>
+
+<file path=ppt/slides/slide18.xml><?xml version="1.0" encoding="utf-8"?>
+<p:sld xmlns:a="http://schemas.openxmlformats.org/drawingml/2006/main" xmlns:r="http://schemas.openxmlformats.org/officeDocument/2006/relationships" xmlns:p="http://schemas.openxmlformats.org/presentationml/2006/main">
+  <p:cSld>
+    <p:spTree>
+      <p:nvGrpSpPr>
+        <p:cNvPr id="1" name=""/>
+        <p:cNvGrpSpPr/>
+        <p:nvPr/>
+      </p:nvGrpSpPr>
+      <p:grpSpPr>
+        <a:xfrm>
+          <a:off x="0" y="0"/>
+          <a:ext cx="0" cy="0"/>
+          <a:chOff x="0" y="0"/>
+          <a:chExt cx="0" cy="0"/>
+        </a:xfrm>
+      </p:grpSpPr>
+      <p:sp>
+        <p:nvSpPr>
+          <p:cNvPr id="2" name="Заголовок 1"/>
+          <p:cNvSpPr>
+            <a:spLocks noGrp="1"/>
+          </p:cNvSpPr>
+          <p:nvPr>
+            <p:ph type="title"/>
+          </p:nvPr>
+        </p:nvSpPr>
+        <p:spPr>
+          <a:xfrm>
+            <a:off x="838200" y="554182"/>
+            <a:ext cx="10515600" cy="1431637"/>
+          </a:xfrm>
+        </p:spPr>
+        <p:txBody>
+          <a:bodyPr>
+            <a:normAutofit/>
+          </a:bodyPr>
+          <a:lstStyle/>
+          <a:p>
+            <a:pPr algn="ctr"/>
+            <a:r>
+              <a:rPr lang="ru-RU" sz="6000" b="1" dirty="0" smtClean="0">
+                <a:solidFill>
+                  <a:schemeClr val="bg1"/>
+                </a:solidFill>
+              </a:rPr>
+              <a:t>Заключение</a:t>
+            </a:r>
+            <a:endParaRPr lang="ru-RU" sz="6000" b="1" dirty="0">
+              <a:solidFill>
+                <a:schemeClr val="bg1"/>
+              </a:solidFill>
+            </a:endParaRPr>
+          </a:p>
+        </p:txBody>
+      </p:sp>
+      <p:sp>
+        <p:nvSpPr>
+          <p:cNvPr id="3" name="Объект 2"/>
+          <p:cNvSpPr>
+            <a:spLocks noGrp="1"/>
+          </p:cNvSpPr>
+          <p:nvPr>
+            <p:ph idx="1"/>
+          </p:nvPr>
+        </p:nvSpPr>
+        <p:spPr>
+          <a:xfrm>
+            <a:off x="838200" y="2438399"/>
+            <a:ext cx="10515600" cy="3805383"/>
+          </a:xfrm>
+        </p:spPr>
+        <p:txBody>
+          <a:bodyPr>
+            <a:normAutofit/>
+          </a:bodyPr>
+          <a:lstStyle/>
+          <a:p>
+            <a:pPr marL="0" indent="0" algn="ctr">
+              <a:buNone/>
+            </a:pPr>
+            <a:r>
+              <a:rPr lang="ru-RU" sz="3200" dirty="0" smtClean="0">
+                <a:solidFill>
+                  <a:schemeClr val="bg1"/>
+                </a:solidFill>
+              </a:rPr>
+              <a:t>Я закончил работу над игрой и очень доволен результатом.</a:t>
+            </a:r>
+          </a:p>
+          <a:p>
+            <a:pPr marL="0" indent="0" algn="ctr">
+              <a:buNone/>
+            </a:pPr>
+            <a:r>
+              <a:rPr lang="ru-RU" sz="3200" dirty="0" smtClean="0">
+                <a:solidFill>
+                  <a:schemeClr val="bg1"/>
+                </a:solidFill>
+              </a:rPr>
+              <a:t>Игра получилась такой, как я и хотел.</a:t>
+            </a:r>
+          </a:p>
+          <a:p>
+            <a:pPr marL="0" indent="0" algn="ctr">
+              <a:buNone/>
+            </a:pPr>
+            <a:r>
+              <a:rPr lang="ru-RU" sz="3200" dirty="0" smtClean="0">
+                <a:solidFill>
+                  <a:schemeClr val="bg1"/>
+                </a:solidFill>
+              </a:rPr>
+              <a:t>Уровень с боссом требует отдельной похвалы.</a:t>
+            </a:r>
+          </a:p>
+          <a:p>
+            <a:pPr marL="0" indent="0" algn="ctr">
+              <a:buNone/>
+            </a:pPr>
+            <a:r>
+              <a:rPr lang="ru-RU" sz="3200" dirty="0" smtClean="0">
+                <a:solidFill>
+                  <a:schemeClr val="bg1"/>
+                </a:solidFill>
+              </a:rPr>
+              <a:t>Я выполнил все пункты технического задания.</a:t>
+            </a:r>
+          </a:p>
+          <a:p>
+            <a:pPr marL="0" indent="0" algn="ctr">
+              <a:buNone/>
+            </a:pPr>
+            <a:r>
+              <a:rPr lang="ru-RU" sz="3200" dirty="0" smtClean="0">
+                <a:solidFill>
+                  <a:schemeClr val="bg1"/>
+                </a:solidFill>
+              </a:rPr>
+              <a:t>В процессе работы я повторил и закрепил тему </a:t>
+            </a:r>
+            <a:r>
+              <a:rPr lang="en-US" sz="3200" dirty="0" err="1" smtClean="0">
+                <a:solidFill>
+                  <a:schemeClr val="bg1"/>
+                </a:solidFill>
+              </a:rPr>
+              <a:t>Pygame</a:t>
+            </a:r>
+            <a:r>
+              <a:rPr lang="en-US" sz="3200" dirty="0" smtClean="0">
+                <a:solidFill>
+                  <a:schemeClr val="bg1"/>
+                </a:solidFill>
+              </a:rPr>
+              <a:t>.</a:t>
+            </a:r>
+            <a:endParaRPr lang="ru-RU" sz="3200" dirty="0">
+              <a:solidFill>
+                <a:schemeClr val="bg1"/>
+              </a:solidFill>
+            </a:endParaRPr>
+          </a:p>
+        </p:txBody>
+      </p:sp>
+    </p:spTree>
+    <p:extLst>
+      <p:ext uri="{BB962C8B-B14F-4D97-AF65-F5344CB8AC3E}">
+        <p14:creationId xmlns:p14="http://schemas.microsoft.com/office/powerpoint/2010/main" val="529096586"/>
+      </p:ext>
+    </p:extLst>
+  </p:cSld>
+  <p:clrMapOvr>
+    <a:masterClrMapping/>
+  </p:clrMapOvr>
+</p:sld>
+</file>
+
+<file path=ppt/slides/slide19.xml><?xml version="1.0" encoding="utf-8"?>
+<p:sld xmlns:a="http://schemas.openxmlformats.org/drawingml/2006/main" xmlns:r="http://schemas.openxmlformats.org/officeDocument/2006/relationships" xmlns:p="http://schemas.openxmlformats.org/presentationml/2006/main">
+  <p:cSld>
+    <p:spTree>
+      <p:nvGrpSpPr>
+        <p:cNvPr id="1" name=""/>
+        <p:cNvGrpSpPr/>
+        <p:nvPr/>
+      </p:nvGrpSpPr>
+      <p:grpSpPr>
+        <a:xfrm>
+          <a:off x="0" y="0"/>
+          <a:ext cx="0" cy="0"/>
+          <a:chOff x="0" y="0"/>
+          <a:chExt cx="0" cy="0"/>
+        </a:xfrm>
+      </p:grpSpPr>
+      <p:sp>
+        <p:nvSpPr>
+          <p:cNvPr id="2" name="Заголовок 1"/>
+          <p:cNvSpPr>
+            <a:spLocks noGrp="1"/>
+          </p:cNvSpPr>
+          <p:nvPr>
+            <p:ph type="ctrTitle"/>
+          </p:nvPr>
+        </p:nvSpPr>
+        <p:spPr>
+          <a:xfrm>
+            <a:off x="1524000" y="1523999"/>
+            <a:ext cx="9144000" cy="942109"/>
+          </a:xfrm>
+        </p:spPr>
+        <p:txBody>
+          <a:bodyPr>
+            <a:noAutofit/>
+          </a:bodyPr>
+          <a:lstStyle/>
+          <a:p>
+            <a:r>
+              <a:rPr lang="en-US" sz="6600" b="1" dirty="0" smtClean="0">
+                <a:solidFill>
+                  <a:schemeClr val="bg1"/>
+                </a:solidFill>
+              </a:rPr>
+              <a:t>mysterious anonymous</a:t>
+            </a:r>
+            <a:endParaRPr lang="ru-RU" sz="6600" b="1" dirty="0">
+              <a:solidFill>
+                <a:schemeClr val="bg1"/>
+              </a:solidFill>
+            </a:endParaRPr>
+          </a:p>
+        </p:txBody>
+      </p:sp>
+      <p:sp>
+        <p:nvSpPr>
+          <p:cNvPr id="3" name="Подзаголовок 2"/>
+          <p:cNvSpPr>
+            <a:spLocks noGrp="1"/>
+          </p:cNvSpPr>
+          <p:nvPr>
+            <p:ph type="subTitle" idx="1"/>
+          </p:nvPr>
+        </p:nvSpPr>
+        <p:spPr>
+          <a:xfrm>
+            <a:off x="1450108" y="3057092"/>
+            <a:ext cx="9919855" cy="3029671"/>
+          </a:xfrm>
+        </p:spPr>
+        <p:txBody>
+          <a:bodyPr>
+            <a:normAutofit lnSpcReduction="10000"/>
+          </a:bodyPr>
+          <a:lstStyle/>
+          <a:p>
+            <a:r>
+              <a:rPr lang="ru-RU" sz="3600" dirty="0" smtClean="0">
+                <a:solidFill>
+                  <a:schemeClr val="bg1"/>
+                </a:solidFill>
+              </a:rPr>
+              <a:t>Проект по теме </a:t>
+            </a:r>
+            <a:r>
+              <a:rPr lang="en-US" sz="3600" dirty="0" err="1" smtClean="0">
+                <a:solidFill>
+                  <a:schemeClr val="bg1"/>
+                </a:solidFill>
+              </a:rPr>
+              <a:t>Pygame</a:t>
+            </a:r>
+            <a:r>
+              <a:rPr lang="en-US" sz="3600" dirty="0" smtClean="0">
+                <a:solidFill>
+                  <a:schemeClr val="bg1"/>
+                </a:solidFill>
+              </a:rPr>
+              <a:t>.</a:t>
+            </a:r>
+          </a:p>
+          <a:p>
+            <a:r>
+              <a:rPr lang="ru-RU" sz="3600" dirty="0" smtClean="0">
+                <a:solidFill>
+                  <a:schemeClr val="bg1"/>
+                </a:solidFill>
+              </a:rPr>
+              <a:t>Выполнил: Кошелев Д.А.</a:t>
+            </a:r>
+          </a:p>
+          <a:p>
+            <a:r>
+              <a:rPr lang="ru-RU" sz="3600" dirty="0" smtClean="0">
+                <a:solidFill>
+                  <a:schemeClr val="bg1"/>
+                </a:solidFill>
+              </a:rPr>
+              <a:t>Руководитель: </a:t>
+            </a:r>
+            <a:r>
+              <a:rPr lang="ru-RU" sz="3600" dirty="0" smtClean="0">
+                <a:solidFill>
+                  <a:schemeClr val="bg1"/>
+                </a:solidFill>
+              </a:rPr>
+              <a:t>Назимова </a:t>
+            </a:r>
+            <a:r>
+              <a:rPr lang="ru-RU" sz="3600" dirty="0">
+                <a:solidFill>
+                  <a:schemeClr val="bg1"/>
+                </a:solidFill>
+              </a:rPr>
+              <a:t>А.Ю.</a:t>
+            </a:r>
+          </a:p>
+          <a:p>
+            <a:r>
+              <a:rPr lang="ru-RU" sz="3600" dirty="0" smtClean="0">
+                <a:solidFill>
+                  <a:schemeClr val="bg1"/>
+                </a:solidFill>
+              </a:rPr>
+              <a:t>Ссылка </a:t>
+            </a:r>
+            <a:r>
+              <a:rPr lang="ru-RU" sz="3600" dirty="0" smtClean="0">
+                <a:solidFill>
+                  <a:schemeClr val="bg1"/>
+                </a:solidFill>
+              </a:rPr>
+              <a:t>на</a:t>
+            </a:r>
+            <a:r>
+              <a:rPr lang="en-US" sz="3600" dirty="0" smtClean="0">
+                <a:solidFill>
+                  <a:schemeClr val="bg1"/>
+                </a:solidFill>
+              </a:rPr>
+              <a:t> </a:t>
+            </a:r>
+            <a:r>
+              <a:rPr lang="en-US" sz="3600" dirty="0" err="1" smtClean="0">
+                <a:solidFill>
+                  <a:schemeClr val="bg1"/>
+                </a:solidFill>
+              </a:rPr>
+              <a:t>github</a:t>
+            </a:r>
+            <a:r>
+              <a:rPr lang="ru-RU" sz="3600" dirty="0" smtClean="0">
+                <a:solidFill>
+                  <a:schemeClr val="bg1"/>
+                </a:solidFill>
+              </a:rPr>
+              <a:t>:</a:t>
+            </a:r>
+          </a:p>
+          <a:p>
+            <a:r>
+              <a:rPr lang="en-US" sz="3600" dirty="0">
+                <a:solidFill>
+                  <a:schemeClr val="bg1"/>
+                </a:solidFill>
+              </a:rPr>
+              <a:t>https://github.com/Father-Dog-Danil/Pygame_solo</a:t>
+            </a:r>
+            <a:endParaRPr lang="ru-RU" sz="3600" dirty="0">
+              <a:solidFill>
+                <a:schemeClr val="bg1"/>
+              </a:solidFill>
+            </a:endParaRPr>
+          </a:p>
+        </p:txBody>
+      </p:sp>
+    </p:spTree>
+    <p:extLst>
+      <p:ext uri="{BB962C8B-B14F-4D97-AF65-F5344CB8AC3E}">
+        <p14:creationId xmlns:p14="http://schemas.microsoft.com/office/powerpoint/2010/main" val="3603189133"/>
       </p:ext>
     </p:extLst>
   </p:cSld>
@@ -3140,140 +4188,45 @@
             <p:ph type="title"/>
           </p:nvPr>
         </p:nvSpPr>
+        <p:spPr/>
+        <p:txBody>
+          <a:bodyPr/>
+          <a:lstStyle/>
+          <a:p>
+            <a:endParaRPr lang="ru-RU" dirty="0"/>
+          </a:p>
+        </p:txBody>
+      </p:sp>
+      <p:pic>
+        <p:nvPicPr>
+          <p:cNvPr id="4" name="Объект 3"/>
+          <p:cNvPicPr>
+            <a:picLocks noGrp="1" noChangeAspect="1"/>
+          </p:cNvPicPr>
+          <p:nvPr>
+            <p:ph idx="1"/>
+          </p:nvPr>
+        </p:nvPicPr>
+        <p:blipFill>
+          <a:blip r:embed="rId2"/>
+          <a:stretch>
+            <a:fillRect/>
+          </a:stretch>
+        </p:blipFill>
         <p:spPr>
           <a:xfrm>
-            <a:off x="838200" y="591127"/>
-            <a:ext cx="10515600" cy="1431637"/>
+            <a:off x="725375" y="365125"/>
+            <a:ext cx="10741250" cy="6041953"/>
           </a:xfrm>
+          <a:prstGeom prst="rect">
+            <a:avLst/>
+          </a:prstGeom>
         </p:spPr>
-        <p:txBody>
-          <a:bodyPr>
-            <a:normAutofit/>
-          </a:bodyPr>
-          <a:lstStyle/>
-          <a:p>
-            <a:pPr algn="ctr"/>
-            <a:r>
-              <a:rPr lang="ru-RU" sz="6000" b="1" dirty="0" smtClean="0">
-                <a:solidFill>
-                  <a:schemeClr val="bg1"/>
-                </a:solidFill>
-              </a:rPr>
-              <a:t>Введение</a:t>
-            </a:r>
-            <a:endParaRPr lang="ru-RU" sz="6000" b="1" dirty="0">
-              <a:solidFill>
-                <a:schemeClr val="bg1"/>
-              </a:solidFill>
-            </a:endParaRPr>
-          </a:p>
-        </p:txBody>
-      </p:sp>
-      <p:sp>
-        <p:nvSpPr>
-          <p:cNvPr id="3" name="Объект 2"/>
-          <p:cNvSpPr>
-            <a:spLocks noGrp="1"/>
-          </p:cNvSpPr>
-          <p:nvPr>
-            <p:ph idx="1"/>
-          </p:nvPr>
-        </p:nvSpPr>
-        <p:spPr>
-          <a:xfrm>
-            <a:off x="838200" y="2733962"/>
-            <a:ext cx="10515600" cy="3168073"/>
-          </a:xfrm>
-        </p:spPr>
-        <p:txBody>
-          <a:bodyPr>
-            <a:normAutofit/>
-          </a:bodyPr>
-          <a:lstStyle/>
-          <a:p>
-            <a:r>
-              <a:rPr lang="ru-RU" sz="3600" dirty="0" smtClean="0">
-                <a:solidFill>
-                  <a:schemeClr val="bg1"/>
-                </a:solidFill>
-              </a:rPr>
-              <a:t>Моя игра выполнена в жанре 2Д </a:t>
-            </a:r>
-            <a:r>
-              <a:rPr lang="ru-RU" sz="3600" dirty="0" err="1" smtClean="0">
-                <a:solidFill>
-                  <a:schemeClr val="bg1"/>
-                </a:solidFill>
-              </a:rPr>
-              <a:t>бродилки</a:t>
-            </a:r>
-            <a:r>
-              <a:rPr lang="ru-RU" sz="3600" dirty="0" smtClean="0">
-                <a:solidFill>
-                  <a:schemeClr val="bg1"/>
-                </a:solidFill>
-              </a:rPr>
-              <a:t>. В ней будут использованы красивые спрайты и подобраны интересные аудиозаписи</a:t>
-            </a:r>
-            <a:r>
-              <a:rPr lang="ru-RU" sz="3600" dirty="0" smtClean="0">
-                <a:solidFill>
-                  <a:schemeClr val="bg1"/>
-                </a:solidFill>
-              </a:rPr>
-              <a:t>. Вдохновлялся я игрой </a:t>
-            </a:r>
-            <a:r>
-              <a:rPr lang="en-US" sz="3600" dirty="0">
-                <a:solidFill>
-                  <a:schemeClr val="bg1"/>
-                </a:solidFill>
-              </a:rPr>
-              <a:t>The Binding of </a:t>
-            </a:r>
-            <a:r>
-              <a:rPr lang="en-US" sz="3600" dirty="0" smtClean="0">
-                <a:solidFill>
-                  <a:schemeClr val="bg1"/>
-                </a:solidFill>
-              </a:rPr>
-              <a:t>Isaac</a:t>
-            </a:r>
-            <a:r>
-              <a:rPr lang="ru-RU" sz="3600" dirty="0" smtClean="0">
-                <a:solidFill>
-                  <a:schemeClr val="bg1"/>
-                </a:solidFill>
-              </a:rPr>
-              <a:t>, а также </a:t>
-            </a:r>
-            <a:r>
-              <a:rPr lang="en-US" sz="3600" dirty="0" smtClean="0">
-                <a:solidFill>
-                  <a:schemeClr val="bg1"/>
-                </a:solidFill>
-              </a:rPr>
-              <a:t>soul knight.</a:t>
-            </a:r>
-            <a:endParaRPr lang="en-US" sz="3600" dirty="0">
-              <a:solidFill>
-                <a:schemeClr val="bg1"/>
-              </a:solidFill>
-            </a:endParaRPr>
-          </a:p>
-          <a:p>
-            <a:endParaRPr lang="ru-RU" sz="3600" dirty="0">
-              <a:solidFill>
-                <a:schemeClr val="bg1"/>
-              </a:solidFill>
-            </a:endParaRPr>
-          </a:p>
-        </p:txBody>
-      </p:sp>
+      </p:pic>
     </p:spTree>
     <p:extLst>
       <p:ext uri="{BB962C8B-B14F-4D97-AF65-F5344CB8AC3E}">
-        <p14:creationId xmlns:p14="http://schemas.microsoft.com/office/powerpoint/2010/main" val="3563490085"/>
+        <p14:creationId xmlns:p14="http://schemas.microsoft.com/office/powerpoint/2010/main" val="1917485296"/>
       </p:ext>
     </p:extLst>
   </p:cSld>
@@ -3312,8 +4265,8 @@
         </p:nvSpPr>
         <p:spPr>
           <a:xfrm>
-            <a:off x="838200" y="1228436"/>
-            <a:ext cx="10515600" cy="914400"/>
+            <a:off x="838200" y="591127"/>
+            <a:ext cx="10515600" cy="1431637"/>
           </a:xfrm>
         </p:spPr>
         <p:txBody>
@@ -3329,7 +4282,7 @@
                   <a:schemeClr val="bg1"/>
                 </a:solidFill>
               </a:rPr>
-              <a:t>Структура</a:t>
+              <a:t>Введение</a:t>
             </a:r>
             <a:endParaRPr lang="ru-RU" sz="6000" b="1" dirty="0">
               <a:solidFill>
@@ -3351,52 +4304,99 @@
         </p:nvSpPr>
         <p:spPr>
           <a:xfrm>
-            <a:off x="838200" y="2604655"/>
-            <a:ext cx="10515600" cy="3620654"/>
+            <a:off x="838200" y="2733962"/>
+            <a:ext cx="10515600" cy="3168073"/>
           </a:xfrm>
         </p:spPr>
         <p:txBody>
           <a:bodyPr>
-            <a:noAutofit/>
+            <a:normAutofit fontScale="92500" lnSpcReduction="10000"/>
           </a:bodyPr>
           <a:lstStyle/>
           <a:p>
             <a:r>
-              <a:rPr lang="ru-RU" sz="3200" dirty="0" smtClean="0">
-                <a:solidFill>
-                  <a:schemeClr val="bg1"/>
-                </a:solidFill>
-              </a:rPr>
-              <a:t>В своей программе я буду использовать такую прекрасную вещь, как Объектно</a:t>
-            </a:r>
-            <a:r>
-              <a:rPr lang="ru-RU" sz="3200" dirty="0">
-                <a:solidFill>
-                  <a:schemeClr val="bg1"/>
-                </a:solidFill>
-              </a:rPr>
-              <a:t>-</a:t>
-            </a:r>
-            <a:r>
-              <a:rPr lang="ru-RU" sz="3200" dirty="0" smtClean="0">
-                <a:solidFill>
-                  <a:schemeClr val="bg1"/>
-                </a:solidFill>
-              </a:rPr>
-              <a:t>Ориентированное Программирование. Каждый объект в мире будет представлен объектом определенного класса. Классы будут расфасованы в отдельные файлы для удобства работы с кодом. Каждая комната будет реализована в виде функции с циклом. Это сделано для удобства работы и я посчитал эту идею лучшей.</a:t>
-            </a:r>
-            <a:endParaRPr lang="ru-RU" sz="3200" dirty="0">
+              <a:rPr lang="ru-RU" sz="3600" dirty="0" smtClean="0">
+                <a:solidFill>
+                  <a:schemeClr val="bg1"/>
+                </a:solidFill>
+              </a:rPr>
+              <a:t>Моя игра выполнена в жанре 2Д </a:t>
+            </a:r>
+            <a:r>
+              <a:rPr lang="ru-RU" sz="3600" dirty="0" err="1" smtClean="0">
+                <a:solidFill>
+                  <a:schemeClr val="bg1"/>
+                </a:solidFill>
+              </a:rPr>
+              <a:t>бродилки</a:t>
+            </a:r>
+            <a:r>
+              <a:rPr lang="ru-RU" sz="3600" dirty="0" smtClean="0">
+                <a:solidFill>
+                  <a:schemeClr val="bg1"/>
+                </a:solidFill>
+              </a:rPr>
+              <a:t>. Смысл игры в исследовании и спасении мира, в который попал главный герой. Этот мир населяют жуткие монстры, истребить которых можно, лишь победив босса. В ней будут использованы красивые спрайты и подобраны интересные аудиозаписи. Вдохновлялся я игрой </a:t>
+            </a:r>
+            <a:r>
+              <a:rPr lang="en-US" sz="3600" dirty="0" smtClean="0">
+                <a:solidFill>
+                  <a:schemeClr val="bg1"/>
+                </a:solidFill>
+              </a:rPr>
+              <a:t>“The </a:t>
+            </a:r>
+            <a:r>
+              <a:rPr lang="en-US" sz="3600" dirty="0">
+                <a:solidFill>
+                  <a:schemeClr val="bg1"/>
+                </a:solidFill>
+              </a:rPr>
+              <a:t>Binding of </a:t>
+            </a:r>
+            <a:r>
+              <a:rPr lang="en-US" sz="3600" dirty="0" smtClean="0">
+                <a:solidFill>
+                  <a:schemeClr val="bg1"/>
+                </a:solidFill>
+              </a:rPr>
+              <a:t>Isaac”</a:t>
+            </a:r>
+            <a:r>
+              <a:rPr lang="ru-RU" sz="3600" dirty="0" smtClean="0">
+                <a:solidFill>
+                  <a:schemeClr val="bg1"/>
+                </a:solidFill>
+              </a:rPr>
+              <a:t>, а также </a:t>
+            </a:r>
+            <a:r>
+              <a:rPr lang="en-US" sz="3600" dirty="0" smtClean="0">
+                <a:solidFill>
+                  <a:schemeClr val="bg1"/>
+                </a:solidFill>
+              </a:rPr>
+              <a:t>“Soul Knight”.</a:t>
+            </a:r>
+            <a:endParaRPr lang="en-US" sz="3600" dirty="0">
               <a:solidFill>
                 <a:schemeClr val="bg1"/>
               </a:solidFill>
             </a:endParaRPr>
           </a:p>
+          <a:p>
+            <a:endParaRPr lang="ru-RU" sz="3600" dirty="0">
+              <a:solidFill>
+                <a:schemeClr val="bg1"/>
+              </a:solidFill>
+            </a:endParaRPr>
+          </a:p>
         </p:txBody>
       </p:sp>
     </p:spTree>
     <p:extLst>
       <p:ext uri="{BB962C8B-B14F-4D97-AF65-F5344CB8AC3E}">
-        <p14:creationId xmlns:p14="http://schemas.microsoft.com/office/powerpoint/2010/main" val="3241842248"/>
+        <p14:creationId xmlns:p14="http://schemas.microsoft.com/office/powerpoint/2010/main" val="3563490085"/>
       </p:ext>
     </p:extLst>
   </p:cSld>
@@ -3433,12 +4433,7 @@
             <p:ph type="title"/>
           </p:nvPr>
         </p:nvSpPr>
-        <p:spPr>
-          <a:xfrm>
-            <a:off x="838200" y="554182"/>
-            <a:ext cx="10515600" cy="1431637"/>
-          </a:xfrm>
-        </p:spPr>
+        <p:spPr/>
         <p:txBody>
           <a:bodyPr>
             <a:normAutofit/>
@@ -3447,14 +4442,14 @@
           <a:p>
             <a:pPr algn="ctr"/>
             <a:r>
-              <a:rPr lang="ru-RU" sz="6000" b="1" dirty="0" smtClean="0">
-                <a:solidFill>
-                  <a:schemeClr val="bg1"/>
-                </a:solidFill>
-              </a:rPr>
-              <a:t>Заключение</a:t>
-            </a:r>
-            <a:endParaRPr lang="ru-RU" sz="6000" b="1" dirty="0">
+              <a:rPr lang="ru-RU" sz="6600" b="1" dirty="0" smtClean="0">
+                <a:solidFill>
+                  <a:schemeClr val="bg1"/>
+                </a:solidFill>
+              </a:rPr>
+              <a:t>Модули</a:t>
+            </a:r>
+            <a:endParaRPr lang="ru-RU" sz="6600" b="1" dirty="0">
               <a:solidFill>
                 <a:schemeClr val="bg1"/>
               </a:solidFill>
@@ -3472,19 +4467,14 @@
             <p:ph idx="1"/>
           </p:nvPr>
         </p:nvSpPr>
-        <p:spPr>
-          <a:xfrm>
-            <a:off x="838200" y="2438399"/>
-            <a:ext cx="10515600" cy="3119727"/>
-          </a:xfrm>
-        </p:spPr>
+        <p:spPr/>
         <p:txBody>
           <a:bodyPr>
             <a:normAutofit/>
           </a:bodyPr>
           <a:lstStyle/>
           <a:p>
-            <a:pPr marL="0" indent="0" algn="ctr">
+            <a:pPr marL="0" indent="0">
               <a:buNone/>
             </a:pPr>
             <a:r>
@@ -3493,72 +4483,112 @@
                   <a:schemeClr val="bg1"/>
                 </a:solidFill>
               </a:rPr>
-              <a:t>Я закончил работу над игрой и очень доволен результатом.</a:t>
-            </a:r>
-          </a:p>
-          <a:p>
-            <a:pPr marL="0" indent="0" algn="ctr">
+              <a:t>В своём проекте я использую библиотеку </a:t>
+            </a:r>
+            <a:r>
+              <a:rPr lang="en-US" sz="3200" dirty="0" err="1" smtClean="0">
+                <a:solidFill>
+                  <a:schemeClr val="bg1"/>
+                </a:solidFill>
+              </a:rPr>
+              <a:t>Pygame</a:t>
+            </a:r>
+            <a:r>
+              <a:rPr lang="en-US" sz="3200" dirty="0" smtClean="0">
+                <a:solidFill>
+                  <a:schemeClr val="bg1"/>
+                </a:solidFill>
+              </a:rPr>
+              <a:t> </a:t>
+            </a:r>
+            <a:r>
+              <a:rPr lang="ru-RU" sz="3200" dirty="0" smtClean="0">
+                <a:solidFill>
+                  <a:schemeClr val="bg1"/>
+                </a:solidFill>
+              </a:rPr>
+              <a:t>и </a:t>
+            </a:r>
+            <a:r>
+              <a:rPr lang="en-US" sz="3200" dirty="0" smtClean="0">
+                <a:solidFill>
+                  <a:schemeClr val="bg1"/>
+                </a:solidFill>
+              </a:rPr>
+              <a:t>Random.</a:t>
+            </a:r>
+            <a:endParaRPr lang="ru-RU" sz="3200" dirty="0" smtClean="0">
+              <a:solidFill>
+                <a:schemeClr val="bg1"/>
+              </a:solidFill>
+            </a:endParaRPr>
+          </a:p>
+          <a:p>
+            <a:pPr marL="0" indent="0">
               <a:buNone/>
             </a:pPr>
-            <a:r>
-              <a:rPr lang="ru-RU" sz="3200" dirty="0" smtClean="0">
-                <a:solidFill>
-                  <a:schemeClr val="bg1"/>
-                </a:solidFill>
-              </a:rPr>
-              <a:t>Игра получилась такой, как я и хотел.</a:t>
-            </a:r>
-          </a:p>
-          <a:p>
-            <a:pPr marL="0" indent="0" algn="ctr">
-              <a:buNone/>
-            </a:pPr>
-            <a:r>
-              <a:rPr lang="ru-RU" sz="3200" dirty="0" smtClean="0">
-                <a:solidFill>
-                  <a:schemeClr val="bg1"/>
-                </a:solidFill>
-              </a:rPr>
-              <a:t>Уровень с боссом требует отдельной похвалы)</a:t>
-            </a:r>
-          </a:p>
-          <a:p>
-            <a:pPr marL="0" indent="0" algn="ctr">
-              <a:buNone/>
-            </a:pPr>
-            <a:r>
-              <a:rPr lang="ru-RU" sz="3200" dirty="0" smtClean="0">
-                <a:solidFill>
-                  <a:schemeClr val="bg1"/>
-                </a:solidFill>
-              </a:rPr>
-              <a:t>Я выполнил почти все требования по проекту.</a:t>
-            </a:r>
-          </a:p>
-          <a:p>
-            <a:pPr marL="0" indent="0" algn="ctr">
-              <a:buNone/>
-            </a:pPr>
-            <a:r>
-              <a:rPr lang="ru-RU" sz="3200" dirty="0" smtClean="0">
-                <a:solidFill>
-                  <a:schemeClr val="bg1"/>
-                </a:solidFill>
-              </a:rPr>
-              <a:t>И горжусь собой.</a:t>
-            </a:r>
             <a:endParaRPr lang="ru-RU" sz="3200" dirty="0">
               <a:solidFill>
                 <a:schemeClr val="bg1"/>
               </a:solidFill>
             </a:endParaRPr>
           </a:p>
+          <a:p>
+            <a:pPr marL="0" indent="0">
+              <a:buNone/>
+            </a:pPr>
+            <a:r>
+              <a:rPr lang="ru-RU" sz="3200" dirty="0" smtClean="0">
+                <a:solidFill>
+                  <a:schemeClr val="bg1"/>
+                </a:solidFill>
+              </a:rPr>
+              <a:t>Все модули указаны в файле </a:t>
+            </a:r>
+            <a:r>
+              <a:rPr lang="en-US" sz="3200" dirty="0" smtClean="0">
+                <a:solidFill>
+                  <a:schemeClr val="bg1"/>
+                </a:solidFill>
+              </a:rPr>
+              <a:t>requiriments.txt</a:t>
+            </a:r>
+            <a:r>
+              <a:rPr lang="ru-RU" sz="3200" dirty="0" smtClean="0">
+                <a:solidFill>
+                  <a:schemeClr val="bg1"/>
+                </a:solidFill>
+              </a:rPr>
+              <a:t>, </a:t>
+            </a:r>
+            <a:r>
+              <a:rPr lang="ru-RU" sz="3200" dirty="0" err="1" smtClean="0">
+                <a:solidFill>
+                  <a:schemeClr val="bg1"/>
+                </a:solidFill>
+              </a:rPr>
+              <a:t>соответсвующем</a:t>
+            </a:r>
+            <a:r>
+              <a:rPr lang="ru-RU" sz="3200" dirty="0" smtClean="0">
+                <a:solidFill>
+                  <a:schemeClr val="bg1"/>
+                </a:solidFill>
+              </a:rPr>
+              <a:t> стандарту.</a:t>
+            </a:r>
+            <a:endParaRPr lang="ru-RU" sz="3200" dirty="0">
+              <a:solidFill>
+                <a:schemeClr val="bg1"/>
+              </a:solidFill>
+            </a:endParaRPr>
+          </a:p>
         </p:txBody>
       </p:sp>
     </p:spTree>
     <p:extLst>
       <p:ext uri="{BB962C8B-B14F-4D97-AF65-F5344CB8AC3E}">
-        <p14:creationId xmlns:p14="http://schemas.microsoft.com/office/powerpoint/2010/main" val="529096586"/>
+        <p14:creationId xmlns:p14="http://schemas.microsoft.com/office/powerpoint/2010/main" val="2837500398"/>
       </p:ext>
     </p:extLst>
   </p:cSld>
@@ -3592,28 +4622,31 @@
             <a:spLocks noGrp="1"/>
           </p:cNvSpPr>
           <p:nvPr>
-            <p:ph type="ctrTitle"/>
+            <p:ph type="title"/>
           </p:nvPr>
         </p:nvSpPr>
         <p:spPr>
           <a:xfrm>
-            <a:off x="1524000" y="1523999"/>
-            <a:ext cx="9144000" cy="942109"/>
+            <a:off x="838200" y="1228436"/>
+            <a:ext cx="10515600" cy="914400"/>
           </a:xfrm>
         </p:spPr>
         <p:txBody>
-          <a:bodyPr/>
-          <a:lstStyle/>
-          <a:p>
-            <a:r>
-              <a:rPr lang="en-US" b="1" dirty="0" smtClean="0">
-                <a:solidFill>
-                  <a:schemeClr val="bg1"/>
-                </a:solidFill>
-              </a:rPr>
-              <a:t>mysterious anonymous</a:t>
-            </a:r>
-            <a:endParaRPr lang="ru-RU" b="1" dirty="0">
+          <a:bodyPr>
+            <a:normAutofit/>
+          </a:bodyPr>
+          <a:lstStyle/>
+          <a:p>
+            <a:pPr algn="ctr"/>
+            <a:r>
+              <a:rPr lang="ru-RU" sz="6000" b="1" dirty="0" smtClean="0">
+                <a:solidFill>
+                  <a:schemeClr val="bg1"/>
+                </a:solidFill>
+              </a:rPr>
+              <a:t>Структура</a:t>
+            </a:r>
+            <a:endParaRPr lang="ru-RU" sz="6000" b="1" dirty="0">
               <a:solidFill>
                 <a:schemeClr val="bg1"/>
               </a:solidFill>
@@ -3623,71 +4656,35 @@
       </p:sp>
       <p:sp>
         <p:nvSpPr>
-          <p:cNvPr id="3" name="Подзаголовок 2"/>
-          <p:cNvSpPr>
-            <a:spLocks noGrp="1"/>
-          </p:cNvSpPr>
-          <p:nvPr>
-            <p:ph type="subTitle" idx="1"/>
+          <p:cNvPr id="3" name="Объект 2"/>
+          <p:cNvSpPr>
+            <a:spLocks noGrp="1"/>
+          </p:cNvSpPr>
+          <p:nvPr>
+            <p:ph idx="1"/>
           </p:nvPr>
         </p:nvSpPr>
         <p:spPr>
           <a:xfrm>
-            <a:off x="1523999" y="3602038"/>
-            <a:ext cx="9919855" cy="3029671"/>
+            <a:off x="838200" y="2604655"/>
+            <a:ext cx="10515600" cy="3620654"/>
           </a:xfrm>
         </p:spPr>
         <p:txBody>
           <a:bodyPr>
-            <a:normAutofit/>
+            <a:noAutofit/>
           </a:bodyPr>
           <a:lstStyle/>
           <a:p>
             <a:r>
-              <a:rPr lang="ru-RU" sz="3600" dirty="0" smtClean="0">
-                <a:solidFill>
-                  <a:schemeClr val="bg1"/>
-                </a:solidFill>
-              </a:rPr>
-              <a:t>Проект по теме </a:t>
-            </a:r>
-            <a:r>
-              <a:rPr lang="en-US" sz="3600" dirty="0" err="1" smtClean="0">
-                <a:solidFill>
-                  <a:schemeClr val="bg1"/>
-                </a:solidFill>
-              </a:rPr>
-              <a:t>Pygame</a:t>
-            </a:r>
-            <a:r>
-              <a:rPr lang="en-US" sz="3600" dirty="0" smtClean="0">
-                <a:solidFill>
-                  <a:schemeClr val="bg1"/>
-                </a:solidFill>
-              </a:rPr>
-              <a:t>.</a:t>
-            </a:r>
-          </a:p>
-          <a:p>
-            <a:r>
-              <a:rPr lang="ru-RU" sz="3600" dirty="0" smtClean="0">
-                <a:solidFill>
-                  <a:schemeClr val="bg1"/>
-                </a:solidFill>
-              </a:rPr>
-              <a:t>Выполнил: Кошелев Д.А.</a:t>
-            </a:r>
-          </a:p>
-          <a:p>
-            <a:r>
-              <a:rPr lang="ru-RU" sz="3600" dirty="0" smtClean="0">
-                <a:solidFill>
-                  <a:schemeClr val="bg1"/>
-                </a:solidFill>
-              </a:rPr>
-              <a:t>Под руководством Назимовой А.Ю.</a:t>
-            </a:r>
-            <a:endParaRPr lang="ru-RU" sz="3600" dirty="0">
+              <a:rPr lang="ru-RU" sz="3200" dirty="0" smtClean="0">
+                <a:solidFill>
+                  <a:schemeClr val="bg1"/>
+                </a:solidFill>
+              </a:rPr>
+              <a:t>В своей программе я буду использовать такую прекрасную вещь, как объектно-ориентированное программирование. Каждый объект в мире будет представлен объектом определенного класса. Классы будут расфасованы в отдельные файлы для удобства работы с кодом. Каждая комната будет реализована в виде функции с циклом. Это сделано для удобства работы.</a:t>
+            </a:r>
+            <a:endParaRPr lang="ru-RU" sz="3200" dirty="0">
               <a:solidFill>
                 <a:schemeClr val="bg1"/>
               </a:solidFill>
@@ -3698,7 +4695,460 @@
     </p:spTree>
     <p:extLst>
       <p:ext uri="{BB962C8B-B14F-4D97-AF65-F5344CB8AC3E}">
-        <p14:creationId xmlns:p14="http://schemas.microsoft.com/office/powerpoint/2010/main" val="3442997252"/>
+        <p14:creationId xmlns:p14="http://schemas.microsoft.com/office/powerpoint/2010/main" val="3241842248"/>
+      </p:ext>
+    </p:extLst>
+  </p:cSld>
+  <p:clrMapOvr>
+    <a:masterClrMapping/>
+  </p:clrMapOvr>
+</p:sld>
+</file>
+
+<file path=ppt/slides/slide6.xml><?xml version="1.0" encoding="utf-8"?>
+<p:sld xmlns:a="http://schemas.openxmlformats.org/drawingml/2006/main" xmlns:r="http://schemas.openxmlformats.org/officeDocument/2006/relationships" xmlns:p="http://schemas.openxmlformats.org/presentationml/2006/main">
+  <p:cSld>
+    <p:spTree>
+      <p:nvGrpSpPr>
+        <p:cNvPr id="1" name=""/>
+        <p:cNvGrpSpPr/>
+        <p:nvPr/>
+      </p:nvGrpSpPr>
+      <p:grpSpPr>
+        <a:xfrm>
+          <a:off x="0" y="0"/>
+          <a:ext cx="0" cy="0"/>
+          <a:chOff x="0" y="0"/>
+          <a:chExt cx="0" cy="0"/>
+        </a:xfrm>
+      </p:grpSpPr>
+      <p:sp>
+        <p:nvSpPr>
+          <p:cNvPr id="2" name="Заголовок 1"/>
+          <p:cNvSpPr>
+            <a:spLocks noGrp="1"/>
+          </p:cNvSpPr>
+          <p:nvPr>
+            <p:ph type="title"/>
+          </p:nvPr>
+        </p:nvSpPr>
+        <p:spPr/>
+        <p:txBody>
+          <a:bodyPr/>
+          <a:lstStyle/>
+          <a:p>
+            <a:endParaRPr lang="ru-RU"/>
+          </a:p>
+        </p:txBody>
+      </p:sp>
+      <p:pic>
+        <p:nvPicPr>
+          <p:cNvPr id="4" name="Объект 3"/>
+          <p:cNvPicPr>
+            <a:picLocks noGrp="1" noChangeAspect="1"/>
+          </p:cNvPicPr>
+          <p:nvPr>
+            <p:ph idx="1"/>
+          </p:nvPr>
+        </p:nvPicPr>
+        <p:blipFill>
+          <a:blip r:embed="rId2"/>
+          <a:stretch>
+            <a:fillRect/>
+          </a:stretch>
+        </p:blipFill>
+        <p:spPr>
+          <a:xfrm>
+            <a:off x="701258" y="365125"/>
+            <a:ext cx="10789484" cy="6069085"/>
+          </a:xfrm>
+          <a:prstGeom prst="rect">
+            <a:avLst/>
+          </a:prstGeom>
+        </p:spPr>
+      </p:pic>
+    </p:spTree>
+    <p:extLst>
+      <p:ext uri="{BB962C8B-B14F-4D97-AF65-F5344CB8AC3E}">
+        <p14:creationId xmlns:p14="http://schemas.microsoft.com/office/powerpoint/2010/main" val="1382322439"/>
+      </p:ext>
+    </p:extLst>
+  </p:cSld>
+  <p:clrMapOvr>
+    <a:masterClrMapping/>
+  </p:clrMapOvr>
+</p:sld>
+</file>
+
+<file path=ppt/slides/slide7.xml><?xml version="1.0" encoding="utf-8"?>
+<p:sld xmlns:a="http://schemas.openxmlformats.org/drawingml/2006/main" xmlns:r="http://schemas.openxmlformats.org/officeDocument/2006/relationships" xmlns:p="http://schemas.openxmlformats.org/presentationml/2006/main">
+  <p:cSld>
+    <p:spTree>
+      <p:nvGrpSpPr>
+        <p:cNvPr id="1" name=""/>
+        <p:cNvGrpSpPr/>
+        <p:nvPr/>
+      </p:nvGrpSpPr>
+      <p:grpSpPr>
+        <a:xfrm>
+          <a:off x="0" y="0"/>
+          <a:ext cx="0" cy="0"/>
+          <a:chOff x="0" y="0"/>
+          <a:chExt cx="0" cy="0"/>
+        </a:xfrm>
+      </p:grpSpPr>
+      <p:sp>
+        <p:nvSpPr>
+          <p:cNvPr id="2" name="Заголовок 1"/>
+          <p:cNvSpPr>
+            <a:spLocks noGrp="1"/>
+          </p:cNvSpPr>
+          <p:nvPr>
+            <p:ph type="title"/>
+          </p:nvPr>
+        </p:nvSpPr>
+        <p:spPr/>
+        <p:txBody>
+          <a:bodyPr>
+            <a:normAutofit/>
+          </a:bodyPr>
+          <a:lstStyle/>
+          <a:p>
+            <a:pPr algn="ctr"/>
+            <a:r>
+              <a:rPr lang="ru-RU" sz="5400" b="1" dirty="0" smtClean="0">
+                <a:solidFill>
+                  <a:schemeClr val="bg1"/>
+                </a:solidFill>
+              </a:rPr>
+              <a:t>Инструкция</a:t>
+            </a:r>
+            <a:endParaRPr lang="ru-RU" sz="5400" b="1" dirty="0">
+              <a:solidFill>
+                <a:schemeClr val="bg1"/>
+              </a:solidFill>
+            </a:endParaRPr>
+          </a:p>
+        </p:txBody>
+      </p:sp>
+      <p:sp>
+        <p:nvSpPr>
+          <p:cNvPr id="3" name="Объект 2"/>
+          <p:cNvSpPr>
+            <a:spLocks noGrp="1"/>
+          </p:cNvSpPr>
+          <p:nvPr>
+            <p:ph idx="1"/>
+          </p:nvPr>
+        </p:nvSpPr>
+        <p:spPr>
+          <a:xfrm>
+            <a:off x="838200" y="1543663"/>
+            <a:ext cx="5893667" cy="4903986"/>
+          </a:xfrm>
+        </p:spPr>
+        <p:txBody>
+          <a:bodyPr>
+            <a:normAutofit fontScale="85000" lnSpcReduction="10000"/>
+          </a:bodyPr>
+          <a:lstStyle/>
+          <a:p>
+            <a:pPr marL="0" indent="0">
+              <a:buNone/>
+            </a:pPr>
+            <a:r>
+              <a:rPr lang="ru-RU" sz="3200" dirty="0" smtClean="0">
+                <a:solidFill>
+                  <a:schemeClr val="bg1"/>
+                </a:solidFill>
+              </a:rPr>
+              <a:t>После запуска программы у нас открывается окно меню.</a:t>
+            </a:r>
+          </a:p>
+          <a:p>
+            <a:pPr marL="0" indent="0">
+              <a:buNone/>
+            </a:pPr>
+            <a:r>
+              <a:rPr lang="ru-RU" sz="3200" dirty="0" smtClean="0">
+                <a:solidFill>
+                  <a:schemeClr val="bg1"/>
+                </a:solidFill>
+              </a:rPr>
+              <a:t>Здесь мы можем нажать на три кнопки. </a:t>
+            </a:r>
+            <a:r>
+              <a:rPr lang="en-US" sz="3200" dirty="0" smtClean="0">
+                <a:solidFill>
+                  <a:schemeClr val="bg1"/>
+                </a:solidFill>
+              </a:rPr>
+              <a:t>“Continue”</a:t>
+            </a:r>
+            <a:r>
+              <a:rPr lang="ru-RU" sz="3200" dirty="0" smtClean="0">
+                <a:solidFill>
+                  <a:schemeClr val="bg1"/>
+                </a:solidFill>
+              </a:rPr>
+              <a:t>, чтоб продолжить с точки сохранения (изначально точка сохранения – первый уровень). Потом кнопка </a:t>
+            </a:r>
+            <a:r>
+              <a:rPr lang="en-US" sz="3200" dirty="0" smtClean="0">
+                <a:solidFill>
+                  <a:schemeClr val="bg1"/>
+                </a:solidFill>
+              </a:rPr>
+              <a:t>“New”</a:t>
+            </a:r>
+            <a:r>
+              <a:rPr lang="ru-RU" sz="3200" dirty="0" smtClean="0">
+                <a:solidFill>
+                  <a:schemeClr val="bg1"/>
+                </a:solidFill>
+              </a:rPr>
+              <a:t>, она сбрасывает предыдущее сохранение и начинает игру заново. Последняя кнопка – </a:t>
+            </a:r>
+            <a:r>
+              <a:rPr lang="en-US" sz="3200" dirty="0" smtClean="0">
+                <a:solidFill>
+                  <a:schemeClr val="bg1"/>
+                </a:solidFill>
+              </a:rPr>
+              <a:t>“Exit”</a:t>
+            </a:r>
+            <a:r>
+              <a:rPr lang="ru-RU" sz="3200" dirty="0" smtClean="0">
+                <a:solidFill>
+                  <a:schemeClr val="bg1"/>
+                </a:solidFill>
+              </a:rPr>
+              <a:t>, она закрывает меню и прекращает работу программы</a:t>
+            </a:r>
+          </a:p>
+          <a:p>
+            <a:pPr marL="0" indent="0">
+              <a:buNone/>
+            </a:pPr>
+            <a:r>
+              <a:rPr lang="ru-RU" sz="3200" dirty="0">
+                <a:solidFill>
+                  <a:schemeClr val="bg1"/>
+                </a:solidFill>
+              </a:rPr>
+              <a:t>На следующих слайдах вы можете увидеть скриншоты игры</a:t>
+            </a:r>
+            <a:r>
+              <a:rPr lang="ru-RU" sz="3200" dirty="0" smtClean="0">
+                <a:solidFill>
+                  <a:schemeClr val="bg1"/>
+                </a:solidFill>
+              </a:rPr>
+              <a:t>.</a:t>
+            </a:r>
+            <a:endParaRPr lang="ru-RU" sz="3200" dirty="0">
+              <a:solidFill>
+                <a:schemeClr val="bg1"/>
+              </a:solidFill>
+            </a:endParaRPr>
+          </a:p>
+        </p:txBody>
+      </p:sp>
+      <p:pic>
+        <p:nvPicPr>
+          <p:cNvPr id="1026" name="Picture 2" descr="https://sun9-23.userapi.com/impg/UbBU4SxEI7dFyjEy6VmIdXdy52NRlSJX3HPRXQ/qppPiMCYKlE.jpg?size=995x1080&amp;quality=96&amp;sign=e3332be7341d639d8156bc12f27b0b9d&amp;type=album"/>
+          <p:cNvPicPr>
+            <a:picLocks noChangeAspect="1" noChangeArrowheads="1"/>
+          </p:cNvPicPr>
+          <p:nvPr/>
+        </p:nvPicPr>
+        <p:blipFill>
+          <a:blip r:embed="rId2">
+            <a:extLst>
+              <a:ext uri="{28A0092B-C50C-407E-A947-70E740481C1C}">
+                <a14:useLocalDpi xmlns:a14="http://schemas.microsoft.com/office/drawing/2010/main" val="0"/>
+              </a:ext>
+            </a:extLst>
+          </a:blip>
+          <a:srcRect/>
+          <a:stretch>
+            <a:fillRect/>
+          </a:stretch>
+        </p:blipFill>
+        <p:spPr bwMode="auto">
+          <a:xfrm>
+            <a:off x="6731867" y="1543663"/>
+            <a:ext cx="4518024" cy="4903986"/>
+          </a:xfrm>
+          <a:prstGeom prst="rect">
+            <a:avLst/>
+          </a:prstGeom>
+          <a:noFill/>
+          <a:extLst>
+            <a:ext uri="{909E8E84-426E-40DD-AFC4-6F175D3DCCD1}">
+              <a14:hiddenFill xmlns:a14="http://schemas.microsoft.com/office/drawing/2010/main">
+                <a:solidFill>
+                  <a:srgbClr val="FFFFFF"/>
+                </a:solidFill>
+              </a14:hiddenFill>
+            </a:ext>
+          </a:extLst>
+        </p:spPr>
+      </p:pic>
+    </p:spTree>
+    <p:extLst>
+      <p:ext uri="{BB962C8B-B14F-4D97-AF65-F5344CB8AC3E}">
+        <p14:creationId xmlns:p14="http://schemas.microsoft.com/office/powerpoint/2010/main" val="3210792761"/>
+      </p:ext>
+    </p:extLst>
+  </p:cSld>
+  <p:clrMapOvr>
+    <a:masterClrMapping/>
+  </p:clrMapOvr>
+</p:sld>
+</file>
+
+<file path=ppt/slides/slide8.xml><?xml version="1.0" encoding="utf-8"?>
+<p:sld xmlns:a="http://schemas.openxmlformats.org/drawingml/2006/main" xmlns:r="http://schemas.openxmlformats.org/officeDocument/2006/relationships" xmlns:p="http://schemas.openxmlformats.org/presentationml/2006/main">
+  <p:cSld>
+    <p:spTree>
+      <p:nvGrpSpPr>
+        <p:cNvPr id="1" name=""/>
+        <p:cNvGrpSpPr/>
+        <p:nvPr/>
+      </p:nvGrpSpPr>
+      <p:grpSpPr>
+        <a:xfrm>
+          <a:off x="0" y="0"/>
+          <a:ext cx="0" cy="0"/>
+          <a:chOff x="0" y="0"/>
+          <a:chExt cx="0" cy="0"/>
+        </a:xfrm>
+      </p:grpSpPr>
+      <p:sp>
+        <p:nvSpPr>
+          <p:cNvPr id="2" name="Заголовок 1"/>
+          <p:cNvSpPr>
+            <a:spLocks noGrp="1"/>
+          </p:cNvSpPr>
+          <p:nvPr>
+            <p:ph type="title"/>
+          </p:nvPr>
+        </p:nvSpPr>
+        <p:spPr/>
+        <p:txBody>
+          <a:bodyPr/>
+          <a:lstStyle/>
+          <a:p>
+            <a:endParaRPr lang="ru-RU"/>
+          </a:p>
+        </p:txBody>
+      </p:sp>
+      <p:pic>
+        <p:nvPicPr>
+          <p:cNvPr id="4" name="Объект 3"/>
+          <p:cNvPicPr>
+            <a:picLocks noGrp="1" noChangeAspect="1"/>
+          </p:cNvPicPr>
+          <p:nvPr>
+            <p:ph idx="1"/>
+          </p:nvPr>
+        </p:nvPicPr>
+        <p:blipFill>
+          <a:blip r:embed="rId2"/>
+          <a:stretch>
+            <a:fillRect/>
+          </a:stretch>
+        </p:blipFill>
+        <p:spPr>
+          <a:xfrm>
+            <a:off x="838200" y="365125"/>
+            <a:ext cx="10567479" cy="5944207"/>
+          </a:xfrm>
+          <a:prstGeom prst="rect">
+            <a:avLst/>
+          </a:prstGeom>
+        </p:spPr>
+      </p:pic>
+    </p:spTree>
+    <p:extLst>
+      <p:ext uri="{BB962C8B-B14F-4D97-AF65-F5344CB8AC3E}">
+        <p14:creationId xmlns:p14="http://schemas.microsoft.com/office/powerpoint/2010/main" val="563986931"/>
+      </p:ext>
+    </p:extLst>
+  </p:cSld>
+  <p:clrMapOvr>
+    <a:masterClrMapping/>
+  </p:clrMapOvr>
+</p:sld>
+</file>
+
+<file path=ppt/slides/slide9.xml><?xml version="1.0" encoding="utf-8"?>
+<p:sld xmlns:a="http://schemas.openxmlformats.org/drawingml/2006/main" xmlns:r="http://schemas.openxmlformats.org/officeDocument/2006/relationships" xmlns:p="http://schemas.openxmlformats.org/presentationml/2006/main">
+  <p:cSld>
+    <p:spTree>
+      <p:nvGrpSpPr>
+        <p:cNvPr id="1" name=""/>
+        <p:cNvGrpSpPr/>
+        <p:nvPr/>
+      </p:nvGrpSpPr>
+      <p:grpSpPr>
+        <a:xfrm>
+          <a:off x="0" y="0"/>
+          <a:ext cx="0" cy="0"/>
+          <a:chOff x="0" y="0"/>
+          <a:chExt cx="0" cy="0"/>
+        </a:xfrm>
+      </p:grpSpPr>
+      <p:sp>
+        <p:nvSpPr>
+          <p:cNvPr id="2" name="Заголовок 1"/>
+          <p:cNvSpPr>
+            <a:spLocks noGrp="1"/>
+          </p:cNvSpPr>
+          <p:nvPr>
+            <p:ph type="title"/>
+          </p:nvPr>
+        </p:nvSpPr>
+        <p:spPr/>
+        <p:txBody>
+          <a:bodyPr/>
+          <a:lstStyle/>
+          <a:p>
+            <a:endParaRPr lang="ru-RU"/>
+          </a:p>
+        </p:txBody>
+      </p:sp>
+      <p:pic>
+        <p:nvPicPr>
+          <p:cNvPr id="4" name="Объект 3"/>
+          <p:cNvPicPr>
+            <a:picLocks noGrp="1" noChangeAspect="1"/>
+          </p:cNvPicPr>
+          <p:nvPr>
+            <p:ph idx="1"/>
+          </p:nvPr>
+        </p:nvPicPr>
+        <p:blipFill>
+          <a:blip r:embed="rId2"/>
+          <a:stretch>
+            <a:fillRect/>
+          </a:stretch>
+        </p:blipFill>
+        <p:spPr>
+          <a:xfrm>
+            <a:off x="838200" y="365125"/>
+            <a:ext cx="10515600" cy="6176963"/>
+          </a:xfrm>
+          <a:prstGeom prst="rect">
+            <a:avLst/>
+          </a:prstGeom>
+        </p:spPr>
+      </p:pic>
+    </p:spTree>
+    <p:extLst>
+      <p:ext uri="{BB962C8B-B14F-4D97-AF65-F5344CB8AC3E}">
+        <p14:creationId xmlns:p14="http://schemas.microsoft.com/office/powerpoint/2010/main" val="3905907430"/>
       </p:ext>
     </p:extLst>
   </p:cSld>
